--- a/Chap/OOProg02/Presentations/Generics.pptx
+++ b/Chap/OOProg02/Presentations/Generics.pptx
@@ -18,32 +18,35 @@
     <p:sldId id="281" r:id="rId12"/>
     <p:sldId id="283" r:id="rId13"/>
     <p:sldId id="284" r:id="rId14"/>
-    <p:sldId id="270" r:id="rId15"/>
-    <p:sldId id="291" r:id="rId16"/>
-    <p:sldId id="292" r:id="rId17"/>
-    <p:sldId id="262" r:id="rId18"/>
-    <p:sldId id="263" r:id="rId19"/>
-    <p:sldId id="293" r:id="rId20"/>
-    <p:sldId id="264" r:id="rId21"/>
-    <p:sldId id="265" r:id="rId22"/>
-    <p:sldId id="268" r:id="rId23"/>
-    <p:sldId id="294" r:id="rId24"/>
-    <p:sldId id="266" r:id="rId25"/>
-    <p:sldId id="267" r:id="rId26"/>
-    <p:sldId id="303" r:id="rId27"/>
-    <p:sldId id="295" r:id="rId28"/>
-    <p:sldId id="296" r:id="rId29"/>
-    <p:sldId id="285" r:id="rId30"/>
-    <p:sldId id="286" r:id="rId31"/>
-    <p:sldId id="300" r:id="rId32"/>
-    <p:sldId id="298" r:id="rId33"/>
-    <p:sldId id="287" r:id="rId34"/>
-    <p:sldId id="297" r:id="rId35"/>
-    <p:sldId id="301" r:id="rId36"/>
-    <p:sldId id="302" r:id="rId37"/>
-    <p:sldId id="288" r:id="rId38"/>
-    <p:sldId id="289" r:id="rId39"/>
-    <p:sldId id="290" r:id="rId40"/>
+    <p:sldId id="305" r:id="rId15"/>
+    <p:sldId id="270" r:id="rId16"/>
+    <p:sldId id="291" r:id="rId17"/>
+    <p:sldId id="292" r:id="rId18"/>
+    <p:sldId id="262" r:id="rId19"/>
+    <p:sldId id="263" r:id="rId20"/>
+    <p:sldId id="293" r:id="rId21"/>
+    <p:sldId id="264" r:id="rId22"/>
+    <p:sldId id="265" r:id="rId23"/>
+    <p:sldId id="268" r:id="rId24"/>
+    <p:sldId id="294" r:id="rId25"/>
+    <p:sldId id="266" r:id="rId26"/>
+    <p:sldId id="267" r:id="rId27"/>
+    <p:sldId id="303" r:id="rId28"/>
+    <p:sldId id="295" r:id="rId29"/>
+    <p:sldId id="306" r:id="rId30"/>
+    <p:sldId id="296" r:id="rId31"/>
+    <p:sldId id="285" r:id="rId32"/>
+    <p:sldId id="286" r:id="rId33"/>
+    <p:sldId id="300" r:id="rId34"/>
+    <p:sldId id="298" r:id="rId35"/>
+    <p:sldId id="287" r:id="rId36"/>
+    <p:sldId id="297" r:id="rId37"/>
+    <p:sldId id="301" r:id="rId38"/>
+    <p:sldId id="302" r:id="rId39"/>
+    <p:sldId id="288" r:id="rId40"/>
+    <p:sldId id="289" r:id="rId41"/>
+    <p:sldId id="290" r:id="rId42"/>
+    <p:sldId id="307" r:id="rId43"/>
   </p:sldIdLst>
   <p:sldSz cx="12192000" cy="6858000"/>
   <p:notesSz cx="6858000" cy="9144000"/>
@@ -281,7 +284,7 @@
           <a:p>
             <a:fld id="{E15B7D8E-2A20-4C0E-991C-872DBB7459A8}" type="datetimeFigureOut">
               <a:rPr lang="da-DK" smtClean="0"/>
-              <a:t>06-02-2018</a:t>
+              <a:t>12-09-2018</a:t>
             </a:fld>
             <a:endParaRPr lang="da-DK"/>
           </a:p>
@@ -451,7 +454,7 @@
           <a:p>
             <a:fld id="{E15B7D8E-2A20-4C0E-991C-872DBB7459A8}" type="datetimeFigureOut">
               <a:rPr lang="da-DK" smtClean="0"/>
-              <a:t>06-02-2018</a:t>
+              <a:t>12-09-2018</a:t>
             </a:fld>
             <a:endParaRPr lang="da-DK"/>
           </a:p>
@@ -631,7 +634,7 @@
           <a:p>
             <a:fld id="{E15B7D8E-2A20-4C0E-991C-872DBB7459A8}" type="datetimeFigureOut">
               <a:rPr lang="da-DK" smtClean="0"/>
-              <a:t>06-02-2018</a:t>
+              <a:t>12-09-2018</a:t>
             </a:fld>
             <a:endParaRPr lang="da-DK"/>
           </a:p>
@@ -801,7 +804,7 @@
           <a:p>
             <a:fld id="{E15B7D8E-2A20-4C0E-991C-872DBB7459A8}" type="datetimeFigureOut">
               <a:rPr lang="da-DK" smtClean="0"/>
-              <a:t>06-02-2018</a:t>
+              <a:t>12-09-2018</a:t>
             </a:fld>
             <a:endParaRPr lang="da-DK"/>
           </a:p>
@@ -1047,7 +1050,7 @@
           <a:p>
             <a:fld id="{E15B7D8E-2A20-4C0E-991C-872DBB7459A8}" type="datetimeFigureOut">
               <a:rPr lang="da-DK" smtClean="0"/>
-              <a:t>06-02-2018</a:t>
+              <a:t>12-09-2018</a:t>
             </a:fld>
             <a:endParaRPr lang="da-DK"/>
           </a:p>
@@ -1279,7 +1282,7 @@
           <a:p>
             <a:fld id="{E15B7D8E-2A20-4C0E-991C-872DBB7459A8}" type="datetimeFigureOut">
               <a:rPr lang="da-DK" smtClean="0"/>
-              <a:t>06-02-2018</a:t>
+              <a:t>12-09-2018</a:t>
             </a:fld>
             <a:endParaRPr lang="da-DK"/>
           </a:p>
@@ -1646,7 +1649,7 @@
           <a:p>
             <a:fld id="{E15B7D8E-2A20-4C0E-991C-872DBB7459A8}" type="datetimeFigureOut">
               <a:rPr lang="da-DK" smtClean="0"/>
-              <a:t>06-02-2018</a:t>
+              <a:t>12-09-2018</a:t>
             </a:fld>
             <a:endParaRPr lang="da-DK"/>
           </a:p>
@@ -1764,7 +1767,7 @@
           <a:p>
             <a:fld id="{E15B7D8E-2A20-4C0E-991C-872DBB7459A8}" type="datetimeFigureOut">
               <a:rPr lang="da-DK" smtClean="0"/>
-              <a:t>06-02-2018</a:t>
+              <a:t>12-09-2018</a:t>
             </a:fld>
             <a:endParaRPr lang="da-DK"/>
           </a:p>
@@ -1859,7 +1862,7 @@
           <a:p>
             <a:fld id="{E15B7D8E-2A20-4C0E-991C-872DBB7459A8}" type="datetimeFigureOut">
               <a:rPr lang="da-DK" smtClean="0"/>
-              <a:t>06-02-2018</a:t>
+              <a:t>12-09-2018</a:t>
             </a:fld>
             <a:endParaRPr lang="da-DK"/>
           </a:p>
@@ -2136,7 +2139,7 @@
           <a:p>
             <a:fld id="{E15B7D8E-2A20-4C0E-991C-872DBB7459A8}" type="datetimeFigureOut">
               <a:rPr lang="da-DK" smtClean="0"/>
-              <a:t>06-02-2018</a:t>
+              <a:t>12-09-2018</a:t>
             </a:fld>
             <a:endParaRPr lang="da-DK"/>
           </a:p>
@@ -2389,7 +2392,7 @@
           <a:p>
             <a:fld id="{E15B7D8E-2A20-4C0E-991C-872DBB7459A8}" type="datetimeFigureOut">
               <a:rPr lang="da-DK" smtClean="0"/>
-              <a:t>06-02-2018</a:t>
+              <a:t>12-09-2018</a:t>
             </a:fld>
             <a:endParaRPr lang="da-DK"/>
           </a:p>
@@ -2602,7 +2605,7 @@
           <a:p>
             <a:fld id="{E15B7D8E-2A20-4C0E-991C-872DBB7459A8}" type="datetimeFigureOut">
               <a:rPr lang="da-DK" smtClean="0"/>
-              <a:t>06-02-2018</a:t>
+              <a:t>12-09-2018</a:t>
             </a:fld>
             <a:endParaRPr lang="da-DK"/>
           </a:p>
@@ -4940,6 +4943,75 @@
       </p:grpSpPr>
       <p:sp>
         <p:nvSpPr>
+          <p:cNvPr id="2" name="Titel 1"/>
+          <p:cNvSpPr>
+            <a:spLocks noGrp="1"/>
+          </p:cNvSpPr>
+          <p:nvPr>
+            <p:ph type="ctrTitle"/>
+          </p:nvPr>
+        </p:nvSpPr>
+        <p:spPr>
+          <a:xfrm>
+            <a:off x="1524000" y="1122362"/>
+            <a:ext cx="9144000" cy="3594017"/>
+          </a:xfrm>
+        </p:spPr>
+        <p:txBody>
+          <a:bodyPr/>
+          <a:lstStyle/>
+          <a:p>
+            <a:r>
+              <a:rPr lang="da-DK" sz="19200" b="1" smtClean="0"/>
+              <a:t>Code</a:t>
+            </a:r>
+            <a:r>
+              <a:rPr lang="da-DK" sz="19200" b="1"/>
+              <a:t>!</a:t>
+            </a:r>
+            <a:endParaRPr lang="da-DK" sz="19200" b="1"/>
+          </a:p>
+        </p:txBody>
+      </p:sp>
+    </p:spTree>
+    <p:extLst>
+      <p:ext uri="{BB962C8B-B14F-4D97-AF65-F5344CB8AC3E}">
+        <p14:creationId xmlns:p14="http://schemas.microsoft.com/office/powerpoint/2010/main" val="3398507401"/>
+      </p:ext>
+    </p:extLst>
+  </p:cSld>
+  <p:clrMapOvr>
+    <a:masterClrMapping/>
+  </p:clrMapOvr>
+  <p:timing>
+    <p:tnLst>
+      <p:par>
+        <p:cTn id="1" dur="indefinite" restart="never" nodeType="tmRoot"/>
+      </p:par>
+    </p:tnLst>
+  </p:timing>
+</p:sld>
+</file>
+
+<file path=ppt/slides/slide15.xml><?xml version="1.0" encoding="utf-8"?>
+<p:sld xmlns:a="http://schemas.openxmlformats.org/drawingml/2006/main" xmlns:r="http://schemas.openxmlformats.org/officeDocument/2006/relationships" xmlns:p="http://schemas.openxmlformats.org/presentationml/2006/main">
+  <p:cSld>
+    <p:spTree>
+      <p:nvGrpSpPr>
+        <p:cNvPr id="1" name=""/>
+        <p:cNvGrpSpPr/>
+        <p:nvPr/>
+      </p:nvGrpSpPr>
+      <p:grpSpPr>
+        <a:xfrm>
+          <a:off x="0" y="0"/>
+          <a:ext cx="0" cy="0"/>
+          <a:chOff x="0" y="0"/>
+          <a:chExt cx="0" cy="0"/>
+        </a:xfrm>
+      </p:grpSpPr>
+      <p:sp>
+        <p:nvSpPr>
           <p:cNvPr id="4" name="Afrundet rektangel 3"/>
           <p:cNvSpPr/>
           <p:nvPr/>
@@ -5779,7 +5851,7 @@
 </p:sld>
 </file>
 
-<file path=ppt/slides/slide15.xml><?xml version="1.0" encoding="utf-8"?>
+<file path=ppt/slides/slide16.xml><?xml version="1.0" encoding="utf-8"?>
 <p:sld xmlns:a="http://schemas.openxmlformats.org/drawingml/2006/main" xmlns:r="http://schemas.openxmlformats.org/officeDocument/2006/relationships" xmlns:p="http://schemas.openxmlformats.org/presentationml/2006/main">
   <p:cSld>
     <p:spTree>
@@ -6085,7 +6157,7 @@
 </p:sld>
 </file>
 
-<file path=ppt/slides/slide16.xml><?xml version="1.0" encoding="utf-8"?>
+<file path=ppt/slides/slide17.xml><?xml version="1.0" encoding="utf-8"?>
 <p:sld xmlns:a="http://schemas.openxmlformats.org/drawingml/2006/main" xmlns:r="http://schemas.openxmlformats.org/officeDocument/2006/relationships" xmlns:p="http://schemas.openxmlformats.org/presentationml/2006/main">
   <p:cSld>
     <p:spTree>
@@ -6236,7 +6308,7 @@
 </p:sld>
 </file>
 
-<file path=ppt/slides/slide17.xml><?xml version="1.0" encoding="utf-8"?>
+<file path=ppt/slides/slide18.xml><?xml version="1.0" encoding="utf-8"?>
 <p:sld xmlns:a="http://schemas.openxmlformats.org/drawingml/2006/main" xmlns:r="http://schemas.openxmlformats.org/officeDocument/2006/relationships" xmlns:p="http://schemas.openxmlformats.org/presentationml/2006/main">
   <p:cSld>
     <p:spTree>
@@ -6987,7 +7059,7 @@
 </p:sld>
 </file>
 
-<file path=ppt/slides/slide18.xml><?xml version="1.0" encoding="utf-8"?>
+<file path=ppt/slides/slide19.xml><?xml version="1.0" encoding="utf-8"?>
 <p:sld xmlns:a="http://schemas.openxmlformats.org/drawingml/2006/main" xmlns:r="http://schemas.openxmlformats.org/officeDocument/2006/relationships" xmlns:p="http://schemas.openxmlformats.org/presentationml/2006/main">
   <p:cSld>
     <p:spTree>
@@ -7768,163 +7840,6 @@
 </p:sld>
 </file>
 
-<file path=ppt/slides/slide19.xml><?xml version="1.0" encoding="utf-8"?>
-<p:sld xmlns:a="http://schemas.openxmlformats.org/drawingml/2006/main" xmlns:r="http://schemas.openxmlformats.org/officeDocument/2006/relationships" xmlns:p="http://schemas.openxmlformats.org/presentationml/2006/main">
-  <p:cSld>
-    <p:spTree>
-      <p:nvGrpSpPr>
-        <p:cNvPr id="1" name=""/>
-        <p:cNvGrpSpPr/>
-        <p:nvPr/>
-      </p:nvGrpSpPr>
-      <p:grpSpPr>
-        <a:xfrm>
-          <a:off x="0" y="0"/>
-          <a:ext cx="0" cy="0"/>
-          <a:chOff x="0" y="0"/>
-          <a:chExt cx="0" cy="0"/>
-        </a:xfrm>
-      </p:grpSpPr>
-      <p:sp>
-        <p:nvSpPr>
-          <p:cNvPr id="3" name="Pladsholder til indhold 2"/>
-          <p:cNvSpPr>
-            <a:spLocks noGrp="1"/>
-          </p:cNvSpPr>
-          <p:nvPr>
-            <p:ph idx="1"/>
-          </p:nvPr>
-        </p:nvSpPr>
-        <p:spPr>
-          <a:xfrm>
-            <a:off x="1266614" y="2682229"/>
-            <a:ext cx="10518985" cy="1747754"/>
-          </a:xfrm>
-        </p:spPr>
-        <p:txBody>
-          <a:bodyPr>
-            <a:normAutofit/>
-          </a:bodyPr>
-          <a:lstStyle/>
-          <a:p>
-            <a:pPr marL="0" indent="0">
-              <a:buNone/>
-            </a:pPr>
-            <a:r>
-              <a:rPr lang="da-DK" sz="4800" b="1" smtClean="0">
-                <a:solidFill>
-                  <a:schemeClr val="accent6">
-                    <a:lumMod val="75000"/>
-                  </a:schemeClr>
-                </a:solidFill>
-                <a:latin typeface="Consolas" panose="020B0609020204030204" pitchFamily="49" charset="0"/>
-              </a:rPr>
-              <a:t>C</a:t>
-            </a:r>
-            <a:r>
-              <a:rPr lang="da-DK" sz="4800" b="1" smtClean="0">
-                <a:latin typeface="Consolas" panose="020B0609020204030204" pitchFamily="49" charset="0"/>
-              </a:rPr>
-              <a:t>&lt;</a:t>
-            </a:r>
-            <a:r>
-              <a:rPr lang="da-DK" sz="4800" b="1" smtClean="0">
-                <a:solidFill>
-                  <a:schemeClr val="accent6">
-                    <a:lumMod val="75000"/>
-                  </a:schemeClr>
-                </a:solidFill>
-                <a:latin typeface="Consolas" panose="020B0609020204030204" pitchFamily="49" charset="0"/>
-              </a:rPr>
-              <a:t>Dog</a:t>
-            </a:r>
-            <a:r>
-              <a:rPr lang="da-DK" sz="4800" b="1" smtClean="0">
-                <a:latin typeface="Consolas" panose="020B0609020204030204" pitchFamily="49" charset="0"/>
-              </a:rPr>
-              <a:t>&gt; cd </a:t>
-            </a:r>
-            <a:r>
-              <a:rPr lang="da-DK" sz="4800" b="1">
-                <a:latin typeface="Consolas" panose="020B0609020204030204" pitchFamily="49" charset="0"/>
-              </a:rPr>
-              <a:t>= </a:t>
-            </a:r>
-            <a:r>
-              <a:rPr lang="da-DK" sz="4800" b="1" smtClean="0">
-                <a:solidFill>
-                  <a:srgbClr val="0070C0"/>
-                </a:solidFill>
-                <a:latin typeface="Consolas" panose="020B0609020204030204" pitchFamily="49" charset="0"/>
-              </a:rPr>
-              <a:t>new</a:t>
-            </a:r>
-            <a:r>
-              <a:rPr lang="da-DK" sz="4800" b="1" smtClean="0">
-                <a:latin typeface="Consolas" panose="020B0609020204030204" pitchFamily="49" charset="0"/>
-              </a:rPr>
-              <a:t> </a:t>
-            </a:r>
-            <a:r>
-              <a:rPr lang="da-DK" sz="4800" b="1" smtClean="0">
-                <a:solidFill>
-                  <a:schemeClr val="accent6">
-                    <a:lumMod val="75000"/>
-                  </a:schemeClr>
-                </a:solidFill>
-                <a:latin typeface="Consolas" panose="020B0609020204030204" pitchFamily="49" charset="0"/>
-              </a:rPr>
-              <a:t>C</a:t>
-            </a:r>
-            <a:r>
-              <a:rPr lang="da-DK" sz="4800" b="1" smtClean="0">
-                <a:latin typeface="Consolas" panose="020B0609020204030204" pitchFamily="49" charset="0"/>
-              </a:rPr>
-              <a:t>&lt;</a:t>
-            </a:r>
-            <a:r>
-              <a:rPr lang="da-DK" sz="4800" b="1" smtClean="0">
-                <a:solidFill>
-                  <a:schemeClr val="accent6">
-                    <a:lumMod val="75000"/>
-                  </a:schemeClr>
-                </a:solidFill>
-                <a:latin typeface="Consolas" panose="020B0609020204030204" pitchFamily="49" charset="0"/>
-              </a:rPr>
-              <a:t>Animal</a:t>
-            </a:r>
-            <a:r>
-              <a:rPr lang="da-DK" sz="4800" b="1" smtClean="0">
-                <a:latin typeface="Consolas" panose="020B0609020204030204" pitchFamily="49" charset="0"/>
-              </a:rPr>
-              <a:t>&gt;();</a:t>
-            </a:r>
-            <a:endParaRPr lang="da-DK" sz="4800">
-              <a:latin typeface="Consolas" panose="020B0609020204030204" pitchFamily="49" charset="0"/>
-            </a:endParaRPr>
-          </a:p>
-        </p:txBody>
-      </p:sp>
-    </p:spTree>
-    <p:extLst>
-      <p:ext uri="{BB962C8B-B14F-4D97-AF65-F5344CB8AC3E}">
-        <p14:creationId xmlns:p14="http://schemas.microsoft.com/office/powerpoint/2010/main" val="3733237784"/>
-      </p:ext>
-    </p:extLst>
-  </p:cSld>
-  <p:clrMapOvr>
-    <a:masterClrMapping/>
-  </p:clrMapOvr>
-  <p:timing>
-    <p:tnLst>
-      <p:par>
-        <p:cTn id="1" dur="indefinite" restart="never" nodeType="tmRoot"/>
-      </p:par>
-    </p:tnLst>
-  </p:timing>
-</p:sld>
-</file>
-
 <file path=ppt/slides/slide2.xml><?xml version="1.0" encoding="utf-8"?>
 <p:sld xmlns:a="http://schemas.openxmlformats.org/drawingml/2006/main" xmlns:r="http://schemas.openxmlformats.org/officeDocument/2006/relationships" xmlns:p="http://schemas.openxmlformats.org/presentationml/2006/main">
   <p:cSld>
@@ -8139,6 +8054,163 @@
 </file>
 
 <file path=ppt/slides/slide20.xml><?xml version="1.0" encoding="utf-8"?>
+<p:sld xmlns:a="http://schemas.openxmlformats.org/drawingml/2006/main" xmlns:r="http://schemas.openxmlformats.org/officeDocument/2006/relationships" xmlns:p="http://schemas.openxmlformats.org/presentationml/2006/main">
+  <p:cSld>
+    <p:spTree>
+      <p:nvGrpSpPr>
+        <p:cNvPr id="1" name=""/>
+        <p:cNvGrpSpPr/>
+        <p:nvPr/>
+      </p:nvGrpSpPr>
+      <p:grpSpPr>
+        <a:xfrm>
+          <a:off x="0" y="0"/>
+          <a:ext cx="0" cy="0"/>
+          <a:chOff x="0" y="0"/>
+          <a:chExt cx="0" cy="0"/>
+        </a:xfrm>
+      </p:grpSpPr>
+      <p:sp>
+        <p:nvSpPr>
+          <p:cNvPr id="3" name="Pladsholder til indhold 2"/>
+          <p:cNvSpPr>
+            <a:spLocks noGrp="1"/>
+          </p:cNvSpPr>
+          <p:nvPr>
+            <p:ph idx="1"/>
+          </p:nvPr>
+        </p:nvSpPr>
+        <p:spPr>
+          <a:xfrm>
+            <a:off x="1266614" y="2682229"/>
+            <a:ext cx="10518985" cy="1747754"/>
+          </a:xfrm>
+        </p:spPr>
+        <p:txBody>
+          <a:bodyPr>
+            <a:normAutofit/>
+          </a:bodyPr>
+          <a:lstStyle/>
+          <a:p>
+            <a:pPr marL="0" indent="0">
+              <a:buNone/>
+            </a:pPr>
+            <a:r>
+              <a:rPr lang="da-DK" sz="4800" b="1" smtClean="0">
+                <a:solidFill>
+                  <a:schemeClr val="accent6">
+                    <a:lumMod val="75000"/>
+                  </a:schemeClr>
+                </a:solidFill>
+                <a:latin typeface="Consolas" panose="020B0609020204030204" pitchFamily="49" charset="0"/>
+              </a:rPr>
+              <a:t>C</a:t>
+            </a:r>
+            <a:r>
+              <a:rPr lang="da-DK" sz="4800" b="1" smtClean="0">
+                <a:latin typeface="Consolas" panose="020B0609020204030204" pitchFamily="49" charset="0"/>
+              </a:rPr>
+              <a:t>&lt;</a:t>
+            </a:r>
+            <a:r>
+              <a:rPr lang="da-DK" sz="4800" b="1" smtClean="0">
+                <a:solidFill>
+                  <a:schemeClr val="accent6">
+                    <a:lumMod val="75000"/>
+                  </a:schemeClr>
+                </a:solidFill>
+                <a:latin typeface="Consolas" panose="020B0609020204030204" pitchFamily="49" charset="0"/>
+              </a:rPr>
+              <a:t>Dog</a:t>
+            </a:r>
+            <a:r>
+              <a:rPr lang="da-DK" sz="4800" b="1" smtClean="0">
+                <a:latin typeface="Consolas" panose="020B0609020204030204" pitchFamily="49" charset="0"/>
+              </a:rPr>
+              <a:t>&gt; cd </a:t>
+            </a:r>
+            <a:r>
+              <a:rPr lang="da-DK" sz="4800" b="1">
+                <a:latin typeface="Consolas" panose="020B0609020204030204" pitchFamily="49" charset="0"/>
+              </a:rPr>
+              <a:t>= </a:t>
+            </a:r>
+            <a:r>
+              <a:rPr lang="da-DK" sz="4800" b="1" smtClean="0">
+                <a:solidFill>
+                  <a:srgbClr val="0070C0"/>
+                </a:solidFill>
+                <a:latin typeface="Consolas" panose="020B0609020204030204" pitchFamily="49" charset="0"/>
+              </a:rPr>
+              <a:t>new</a:t>
+            </a:r>
+            <a:r>
+              <a:rPr lang="da-DK" sz="4800" b="1" smtClean="0">
+                <a:latin typeface="Consolas" panose="020B0609020204030204" pitchFamily="49" charset="0"/>
+              </a:rPr>
+              <a:t> </a:t>
+            </a:r>
+            <a:r>
+              <a:rPr lang="da-DK" sz="4800" b="1" smtClean="0">
+                <a:solidFill>
+                  <a:schemeClr val="accent6">
+                    <a:lumMod val="75000"/>
+                  </a:schemeClr>
+                </a:solidFill>
+                <a:latin typeface="Consolas" panose="020B0609020204030204" pitchFamily="49" charset="0"/>
+              </a:rPr>
+              <a:t>C</a:t>
+            </a:r>
+            <a:r>
+              <a:rPr lang="da-DK" sz="4800" b="1" smtClean="0">
+                <a:latin typeface="Consolas" panose="020B0609020204030204" pitchFamily="49" charset="0"/>
+              </a:rPr>
+              <a:t>&lt;</a:t>
+            </a:r>
+            <a:r>
+              <a:rPr lang="da-DK" sz="4800" b="1" smtClean="0">
+                <a:solidFill>
+                  <a:schemeClr val="accent6">
+                    <a:lumMod val="75000"/>
+                  </a:schemeClr>
+                </a:solidFill>
+                <a:latin typeface="Consolas" panose="020B0609020204030204" pitchFamily="49" charset="0"/>
+              </a:rPr>
+              <a:t>Animal</a:t>
+            </a:r>
+            <a:r>
+              <a:rPr lang="da-DK" sz="4800" b="1" smtClean="0">
+                <a:latin typeface="Consolas" panose="020B0609020204030204" pitchFamily="49" charset="0"/>
+              </a:rPr>
+              <a:t>&gt;();</a:t>
+            </a:r>
+            <a:endParaRPr lang="da-DK" sz="4800">
+              <a:latin typeface="Consolas" panose="020B0609020204030204" pitchFamily="49" charset="0"/>
+            </a:endParaRPr>
+          </a:p>
+        </p:txBody>
+      </p:sp>
+    </p:spTree>
+    <p:extLst>
+      <p:ext uri="{BB962C8B-B14F-4D97-AF65-F5344CB8AC3E}">
+        <p14:creationId xmlns:p14="http://schemas.microsoft.com/office/powerpoint/2010/main" val="3733237784"/>
+      </p:ext>
+    </p:extLst>
+  </p:cSld>
+  <p:clrMapOvr>
+    <a:masterClrMapping/>
+  </p:clrMapOvr>
+  <p:timing>
+    <p:tnLst>
+      <p:par>
+        <p:cTn id="1" dur="indefinite" restart="never" nodeType="tmRoot"/>
+      </p:par>
+    </p:tnLst>
+  </p:timing>
+</p:sld>
+</file>
+
+<file path=ppt/slides/slide21.xml><?xml version="1.0" encoding="utf-8"?>
 <p:sld xmlns:a="http://schemas.openxmlformats.org/drawingml/2006/main" xmlns:r="http://schemas.openxmlformats.org/officeDocument/2006/relationships" xmlns:p="http://schemas.openxmlformats.org/presentationml/2006/main">
   <p:cSld>
     <p:spTree>
@@ -8792,7 +8864,7 @@
 </p:sld>
 </file>
 
-<file path=ppt/slides/slide21.xml><?xml version="1.0" encoding="utf-8"?>
+<file path=ppt/slides/slide22.xml><?xml version="1.0" encoding="utf-8"?>
 <p:sld xmlns:a="http://schemas.openxmlformats.org/drawingml/2006/main" xmlns:r="http://schemas.openxmlformats.org/officeDocument/2006/relationships" xmlns:p="http://schemas.openxmlformats.org/presentationml/2006/main">
   <p:cSld>
     <p:spTree>
@@ -8896,11 +8968,7 @@
             <a:pPr algn="ctr"/>
             <a:r>
               <a:rPr lang="da-DK" sz="3600" smtClean="0"/>
-              <a:t>C&lt;Animal</a:t>
-            </a:r>
-            <a:r>
-              <a:rPr lang="da-DK" sz="3600" smtClean="0"/>
-              <a:t>&gt;</a:t>
+              <a:t>C&lt;Animal&gt;</a:t>
             </a:r>
             <a:endParaRPr lang="da-DK" sz="3600"/>
           </a:p>
@@ -9593,7 +9661,7 @@
 </p:sld>
 </file>
 
-<file path=ppt/slides/slide22.xml><?xml version="1.0" encoding="utf-8"?>
+<file path=ppt/slides/slide23.xml><?xml version="1.0" encoding="utf-8"?>
 <p:sld xmlns:a="http://schemas.openxmlformats.org/drawingml/2006/main" xmlns:r="http://schemas.openxmlformats.org/officeDocument/2006/relationships" xmlns:p="http://schemas.openxmlformats.org/presentationml/2006/main">
   <p:cSld>
     <p:spTree>
@@ -9881,7 +9949,7 @@
 </p:sld>
 </file>
 
-<file path=ppt/slides/slide23.xml><?xml version="1.0" encoding="utf-8"?>
+<file path=ppt/slides/slide24.xml><?xml version="1.0" encoding="utf-8"?>
 <p:sld xmlns:a="http://schemas.openxmlformats.org/drawingml/2006/main" xmlns:r="http://schemas.openxmlformats.org/officeDocument/2006/relationships" xmlns:p="http://schemas.openxmlformats.org/presentationml/2006/main">
   <p:cSld>
     <p:spTree>
@@ -10166,7 +10234,7 @@
 </p:sld>
 </file>
 
-<file path=ppt/slides/slide24.xml><?xml version="1.0" encoding="utf-8"?>
+<file path=ppt/slides/slide25.xml><?xml version="1.0" encoding="utf-8"?>
 <p:sld xmlns:a="http://schemas.openxmlformats.org/drawingml/2006/main" xmlns:r="http://schemas.openxmlformats.org/officeDocument/2006/relationships" xmlns:p="http://schemas.openxmlformats.org/presentationml/2006/main">
   <p:cSld>
     <p:spTree>
@@ -11013,7 +11081,7 @@
 </p:sld>
 </file>
 
-<file path=ppt/slides/slide25.xml><?xml version="1.0" encoding="utf-8"?>
+<file path=ppt/slides/slide26.xml><?xml version="1.0" encoding="utf-8"?>
 <p:sld xmlns:a="http://schemas.openxmlformats.org/drawingml/2006/main" xmlns:r="http://schemas.openxmlformats.org/officeDocument/2006/relationships" xmlns:p="http://schemas.openxmlformats.org/presentationml/2006/main">
   <p:cSld>
     <p:spTree>
@@ -11073,11 +11141,7 @@
             <a:pPr algn="ctr"/>
             <a:r>
               <a:rPr lang="da-DK" sz="3600" smtClean="0"/>
-              <a:t>C&lt;Animal</a:t>
-            </a:r>
-            <a:r>
-              <a:rPr lang="da-DK" sz="3600" smtClean="0"/>
-              <a:t>&gt;</a:t>
+              <a:t>C&lt;Animal&gt;</a:t>
             </a:r>
             <a:endParaRPr lang="da-DK" sz="3600"/>
           </a:p>
@@ -11447,11 +11511,7 @@
             <a:pPr algn="ctr"/>
             <a:r>
               <a:rPr lang="da-DK" sz="2800" smtClean="0"/>
-              <a:t>ISet&lt;Dog</a:t>
-            </a:r>
-            <a:r>
-              <a:rPr lang="da-DK" sz="2800" smtClean="0"/>
-              <a:t>&gt;</a:t>
+              <a:t>ISet&lt;Dog&gt;</a:t>
             </a:r>
             <a:endParaRPr lang="da-DK" sz="2800"/>
           </a:p>
@@ -11924,7 +11984,7 @@
 </p:sld>
 </file>
 
-<file path=ppt/slides/slide26.xml><?xml version="1.0" encoding="utf-8"?>
+<file path=ppt/slides/slide27.xml><?xml version="1.0" encoding="utf-8"?>
 <p:sld xmlns:a="http://schemas.openxmlformats.org/drawingml/2006/main" xmlns:r="http://schemas.openxmlformats.org/officeDocument/2006/relationships" xmlns:p="http://schemas.openxmlformats.org/presentationml/2006/main">
   <p:cSld>
     <p:spTree>
@@ -12212,7 +12272,7 @@
 </p:sld>
 </file>
 
-<file path=ppt/slides/slide27.xml><?xml version="1.0" encoding="utf-8"?>
+<file path=ppt/slides/slide28.xml><?xml version="1.0" encoding="utf-8"?>
 <p:sld xmlns:a="http://schemas.openxmlformats.org/drawingml/2006/main" xmlns:r="http://schemas.openxmlformats.org/officeDocument/2006/relationships" xmlns:p="http://schemas.openxmlformats.org/presentationml/2006/main">
   <p:cSld>
     <p:spTree>
@@ -12558,7 +12618,174 @@
 </p:sld>
 </file>
 
-<file path=ppt/slides/slide28.xml><?xml version="1.0" encoding="utf-8"?>
+<file path=ppt/slides/slide29.xml><?xml version="1.0" encoding="utf-8"?>
+<p:sld xmlns:a="http://schemas.openxmlformats.org/drawingml/2006/main" xmlns:r="http://schemas.openxmlformats.org/officeDocument/2006/relationships" xmlns:p="http://schemas.openxmlformats.org/presentationml/2006/main">
+  <p:cSld>
+    <p:spTree>
+      <p:nvGrpSpPr>
+        <p:cNvPr id="1" name=""/>
+        <p:cNvGrpSpPr/>
+        <p:nvPr/>
+      </p:nvGrpSpPr>
+      <p:grpSpPr>
+        <a:xfrm>
+          <a:off x="0" y="0"/>
+          <a:ext cx="0" cy="0"/>
+          <a:chOff x="0" y="0"/>
+          <a:chExt cx="0" cy="0"/>
+        </a:xfrm>
+      </p:grpSpPr>
+      <p:sp>
+        <p:nvSpPr>
+          <p:cNvPr id="2" name="Titel 1"/>
+          <p:cNvSpPr>
+            <a:spLocks noGrp="1"/>
+          </p:cNvSpPr>
+          <p:nvPr>
+            <p:ph type="ctrTitle"/>
+          </p:nvPr>
+        </p:nvSpPr>
+        <p:spPr>
+          <a:xfrm>
+            <a:off x="1524000" y="1122362"/>
+            <a:ext cx="9144000" cy="3594017"/>
+          </a:xfrm>
+        </p:spPr>
+        <p:txBody>
+          <a:bodyPr/>
+          <a:lstStyle/>
+          <a:p>
+            <a:r>
+              <a:rPr lang="da-DK" sz="19200" b="1" smtClean="0"/>
+              <a:t>Code</a:t>
+            </a:r>
+            <a:r>
+              <a:rPr lang="da-DK" sz="19200" b="1"/>
+              <a:t>!</a:t>
+            </a:r>
+            <a:endParaRPr lang="da-DK" sz="19200" b="1"/>
+          </a:p>
+        </p:txBody>
+      </p:sp>
+    </p:spTree>
+    <p:extLst>
+      <p:ext uri="{BB962C8B-B14F-4D97-AF65-F5344CB8AC3E}">
+        <p14:creationId xmlns:p14="http://schemas.microsoft.com/office/powerpoint/2010/main" val="848150331"/>
+      </p:ext>
+    </p:extLst>
+  </p:cSld>
+  <p:clrMapOvr>
+    <a:masterClrMapping/>
+  </p:clrMapOvr>
+  <p:timing>
+    <p:tnLst>
+      <p:par>
+        <p:cTn id="1" dur="indefinite" restart="never" nodeType="tmRoot"/>
+      </p:par>
+    </p:tnLst>
+  </p:timing>
+</p:sld>
+</file>
+
+<file path=ppt/slides/slide3.xml><?xml version="1.0" encoding="utf-8"?>
+<p:sld xmlns:a="http://schemas.openxmlformats.org/drawingml/2006/main" xmlns:r="http://schemas.openxmlformats.org/officeDocument/2006/relationships" xmlns:p="http://schemas.openxmlformats.org/presentationml/2006/main">
+  <p:cSld>
+    <p:spTree>
+      <p:nvGrpSpPr>
+        <p:cNvPr id="1" name=""/>
+        <p:cNvGrpSpPr/>
+        <p:nvPr/>
+      </p:nvGrpSpPr>
+      <p:grpSpPr>
+        <a:xfrm>
+          <a:off x="0" y="0"/>
+          <a:ext cx="0" cy="0"/>
+          <a:chOff x="0" y="0"/>
+          <a:chExt cx="0" cy="0"/>
+        </a:xfrm>
+      </p:grpSpPr>
+      <p:sp>
+        <p:nvSpPr>
+          <p:cNvPr id="3" name="Pladsholder til indhold 2"/>
+          <p:cNvSpPr>
+            <a:spLocks noGrp="1"/>
+          </p:cNvSpPr>
+          <p:nvPr>
+            <p:ph idx="1"/>
+          </p:nvPr>
+        </p:nvSpPr>
+        <p:spPr>
+          <a:xfrm>
+            <a:off x="2612858" y="1639136"/>
+            <a:ext cx="7012405" cy="1747754"/>
+          </a:xfrm>
+        </p:spPr>
+        <p:txBody>
+          <a:bodyPr/>
+          <a:lstStyle/>
+          <a:p>
+            <a:pPr marL="0" indent="0">
+              <a:buNone/>
+            </a:pPr>
+            <a:r>
+              <a:rPr lang="da-DK" sz="9600" smtClean="0">
+                <a:solidFill>
+                  <a:schemeClr val="accent6">
+                    <a:lumMod val="75000"/>
+                  </a:schemeClr>
+                </a:solidFill>
+                <a:latin typeface="Consolas" panose="020B0609020204030204" pitchFamily="49" charset="0"/>
+              </a:rPr>
+              <a:t>List</a:t>
+            </a:r>
+            <a:r>
+              <a:rPr lang="da-DK" sz="9600" smtClean="0">
+                <a:latin typeface="Consolas" panose="020B0609020204030204" pitchFamily="49" charset="0"/>
+              </a:rPr>
+              <a:t>&lt;</a:t>
+            </a:r>
+            <a:r>
+              <a:rPr lang="da-DK" sz="9600" smtClean="0">
+                <a:solidFill>
+                  <a:srgbClr val="0070C0"/>
+                </a:solidFill>
+                <a:latin typeface="Consolas" panose="020B0609020204030204" pitchFamily="49" charset="0"/>
+              </a:rPr>
+              <a:t>int</a:t>
+            </a:r>
+            <a:r>
+              <a:rPr lang="da-DK" sz="9600" smtClean="0">
+                <a:latin typeface="Consolas" panose="020B0609020204030204" pitchFamily="49" charset="0"/>
+              </a:rPr>
+              <a:t>&gt;</a:t>
+            </a:r>
+            <a:endParaRPr lang="da-DK" sz="9600">
+              <a:latin typeface="Consolas" panose="020B0609020204030204" pitchFamily="49" charset="0"/>
+            </a:endParaRPr>
+          </a:p>
+        </p:txBody>
+      </p:sp>
+    </p:spTree>
+    <p:extLst>
+      <p:ext uri="{BB962C8B-B14F-4D97-AF65-F5344CB8AC3E}">
+        <p14:creationId xmlns:p14="http://schemas.microsoft.com/office/powerpoint/2010/main" val="2598330006"/>
+      </p:ext>
+    </p:extLst>
+  </p:cSld>
+  <p:clrMapOvr>
+    <a:masterClrMapping/>
+  </p:clrMapOvr>
+  <p:timing>
+    <p:tnLst>
+      <p:par>
+        <p:cTn id="1" dur="indefinite" restart="never" nodeType="tmRoot"/>
+      </p:par>
+    </p:tnLst>
+  </p:timing>
+</p:sld>
+</file>
+
+<file path=ppt/slides/slide30.xml><?xml version="1.0" encoding="utf-8"?>
 <p:sld xmlns:a="http://schemas.openxmlformats.org/drawingml/2006/main" xmlns:r="http://schemas.openxmlformats.org/officeDocument/2006/relationships" xmlns:p="http://schemas.openxmlformats.org/presentationml/2006/main">
   <p:cSld>
     <p:spTree>
@@ -12872,7 +13099,7 @@
 </p:sld>
 </file>
 
-<file path=ppt/slides/slide29.xml><?xml version="1.0" encoding="utf-8"?>
+<file path=ppt/slides/slide31.xml><?xml version="1.0" encoding="utf-8"?>
 <p:sld xmlns:a="http://schemas.openxmlformats.org/drawingml/2006/main" xmlns:r="http://schemas.openxmlformats.org/officeDocument/2006/relationships" xmlns:p="http://schemas.openxmlformats.org/presentationml/2006/main">
   <p:cSld>
     <p:spTree>
@@ -13249,105 +13476,7 @@
 </p:sld>
 </file>
 
-<file path=ppt/slides/slide3.xml><?xml version="1.0" encoding="utf-8"?>
-<p:sld xmlns:a="http://schemas.openxmlformats.org/drawingml/2006/main" xmlns:r="http://schemas.openxmlformats.org/officeDocument/2006/relationships" xmlns:p="http://schemas.openxmlformats.org/presentationml/2006/main">
-  <p:cSld>
-    <p:spTree>
-      <p:nvGrpSpPr>
-        <p:cNvPr id="1" name=""/>
-        <p:cNvGrpSpPr/>
-        <p:nvPr/>
-      </p:nvGrpSpPr>
-      <p:grpSpPr>
-        <a:xfrm>
-          <a:off x="0" y="0"/>
-          <a:ext cx="0" cy="0"/>
-          <a:chOff x="0" y="0"/>
-          <a:chExt cx="0" cy="0"/>
-        </a:xfrm>
-      </p:grpSpPr>
-      <p:sp>
-        <p:nvSpPr>
-          <p:cNvPr id="3" name="Pladsholder til indhold 2"/>
-          <p:cNvSpPr>
-            <a:spLocks noGrp="1"/>
-          </p:cNvSpPr>
-          <p:nvPr>
-            <p:ph idx="1"/>
-          </p:nvPr>
-        </p:nvSpPr>
-        <p:spPr>
-          <a:xfrm>
-            <a:off x="2612858" y="1639136"/>
-            <a:ext cx="7012405" cy="1747754"/>
-          </a:xfrm>
-        </p:spPr>
-        <p:txBody>
-          <a:bodyPr/>
-          <a:lstStyle/>
-          <a:p>
-            <a:pPr marL="0" indent="0">
-              <a:buNone/>
-            </a:pPr>
-            <a:r>
-              <a:rPr lang="da-DK" sz="9600" smtClean="0">
-                <a:solidFill>
-                  <a:schemeClr val="accent6">
-                    <a:lumMod val="75000"/>
-                  </a:schemeClr>
-                </a:solidFill>
-                <a:latin typeface="Consolas" panose="020B0609020204030204" pitchFamily="49" charset="0"/>
-              </a:rPr>
-              <a:t>List</a:t>
-            </a:r>
-            <a:r>
-              <a:rPr lang="da-DK" sz="9600" smtClean="0">
-                <a:latin typeface="Consolas" panose="020B0609020204030204" pitchFamily="49" charset="0"/>
-              </a:rPr>
-              <a:t>&lt;</a:t>
-            </a:r>
-            <a:r>
-              <a:rPr lang="da-DK" sz="9600" smtClean="0">
-                <a:solidFill>
-                  <a:srgbClr val="0070C0"/>
-                </a:solidFill>
-                <a:latin typeface="Consolas" panose="020B0609020204030204" pitchFamily="49" charset="0"/>
-              </a:rPr>
-              <a:t>int</a:t>
-            </a:r>
-            <a:r>
-              <a:rPr lang="da-DK" sz="9600" smtClean="0">
-                <a:latin typeface="Consolas" panose="020B0609020204030204" pitchFamily="49" charset="0"/>
-              </a:rPr>
-              <a:t>&gt;</a:t>
-            </a:r>
-            <a:endParaRPr lang="da-DK" sz="9600">
-              <a:latin typeface="Consolas" panose="020B0609020204030204" pitchFamily="49" charset="0"/>
-            </a:endParaRPr>
-          </a:p>
-        </p:txBody>
-      </p:sp>
-    </p:spTree>
-    <p:extLst>
-      <p:ext uri="{BB962C8B-B14F-4D97-AF65-F5344CB8AC3E}">
-        <p14:creationId xmlns:p14="http://schemas.microsoft.com/office/powerpoint/2010/main" val="2598330006"/>
-      </p:ext>
-    </p:extLst>
-  </p:cSld>
-  <p:clrMapOvr>
-    <a:masterClrMapping/>
-  </p:clrMapOvr>
-  <p:timing>
-    <p:tnLst>
-      <p:par>
-        <p:cTn id="1" dur="indefinite" restart="never" nodeType="tmRoot"/>
-      </p:par>
-    </p:tnLst>
-  </p:timing>
-</p:sld>
-</file>
-
-<file path=ppt/slides/slide30.xml><?xml version="1.0" encoding="utf-8"?>
+<file path=ppt/slides/slide32.xml><?xml version="1.0" encoding="utf-8"?>
 <p:sld xmlns:a="http://schemas.openxmlformats.org/drawingml/2006/main" xmlns:r="http://schemas.openxmlformats.org/officeDocument/2006/relationships" xmlns:p="http://schemas.openxmlformats.org/presentationml/2006/main">
   <p:cSld>
     <p:spTree>
@@ -13773,7 +13902,7 @@
 </p:sld>
 </file>
 
-<file path=ppt/slides/slide31.xml><?xml version="1.0" encoding="utf-8"?>
+<file path=ppt/slides/slide33.xml><?xml version="1.0" encoding="utf-8"?>
 <p:sld xmlns:a="http://schemas.openxmlformats.org/drawingml/2006/main" xmlns:r="http://schemas.openxmlformats.org/officeDocument/2006/relationships" xmlns:p="http://schemas.openxmlformats.org/presentationml/2006/main">
   <p:cSld>
     <p:spTree>
@@ -13963,7 +14092,7 @@
 </p:sld>
 </file>
 
-<file path=ppt/slides/slide32.xml><?xml version="1.0" encoding="utf-8"?>
+<file path=ppt/slides/slide34.xml><?xml version="1.0" encoding="utf-8"?>
 <p:sld xmlns:a="http://schemas.openxmlformats.org/drawingml/2006/main" xmlns:r="http://schemas.openxmlformats.org/officeDocument/2006/relationships" xmlns:p="http://schemas.openxmlformats.org/presentationml/2006/main">
   <p:cSld>
     <p:spTree>
@@ -14268,7 +14397,7 @@
 </p:sld>
 </file>
 
-<file path=ppt/slides/slide33.xml><?xml version="1.0" encoding="utf-8"?>
+<file path=ppt/slides/slide35.xml><?xml version="1.0" encoding="utf-8"?>
 <p:sld xmlns:a="http://schemas.openxmlformats.org/drawingml/2006/main" xmlns:r="http://schemas.openxmlformats.org/officeDocument/2006/relationships" xmlns:p="http://schemas.openxmlformats.org/presentationml/2006/main">
   <p:cSld>
     <p:spTree>
@@ -14687,7 +14816,7 @@
 </p:sld>
 </file>
 
-<file path=ppt/slides/slide34.xml><?xml version="1.0" encoding="utf-8"?>
+<file path=ppt/slides/slide36.xml><?xml version="1.0" encoding="utf-8"?>
 <p:sld xmlns:a="http://schemas.openxmlformats.org/drawingml/2006/main" xmlns:r="http://schemas.openxmlformats.org/officeDocument/2006/relationships" xmlns:p="http://schemas.openxmlformats.org/presentationml/2006/main">
   <p:cSld>
     <p:spTree>
@@ -15025,574 +15154,6 @@
     <p:extLst>
       <p:ext uri="{BB962C8B-B14F-4D97-AF65-F5344CB8AC3E}">
         <p14:creationId xmlns:p14="http://schemas.microsoft.com/office/powerpoint/2010/main" val="647845559"/>
-      </p:ext>
-    </p:extLst>
-  </p:cSld>
-  <p:clrMapOvr>
-    <a:masterClrMapping/>
-  </p:clrMapOvr>
-  <mc:AlternateContent xmlns:mc="http://schemas.openxmlformats.org/markup-compatibility/2006" xmlns:p14="http://schemas.microsoft.com/office/powerpoint/2010/main">
-    <mc:Choice Requires="p14">
-      <p:transition spd="med" p14:dur="700">
-        <p:fade/>
-      </p:transition>
-    </mc:Choice>
-    <mc:Fallback xmlns="">
-      <p:transition spd="med">
-        <p:fade/>
-      </p:transition>
-    </mc:Fallback>
-  </mc:AlternateContent>
-  <p:timing>
-    <p:tnLst>
-      <p:par>
-        <p:cTn id="1" dur="indefinite" restart="never" nodeType="tmRoot"/>
-      </p:par>
-    </p:tnLst>
-  </p:timing>
-</p:sld>
-</file>
-
-<file path=ppt/slides/slide35.xml><?xml version="1.0" encoding="utf-8"?>
-<p:sld xmlns:a="http://schemas.openxmlformats.org/drawingml/2006/main" xmlns:r="http://schemas.openxmlformats.org/officeDocument/2006/relationships" xmlns:p="http://schemas.openxmlformats.org/presentationml/2006/main">
-  <p:cSld>
-    <p:spTree>
-      <p:nvGrpSpPr>
-        <p:cNvPr id="1" name=""/>
-        <p:cNvGrpSpPr/>
-        <p:nvPr/>
-      </p:nvGrpSpPr>
-      <p:grpSpPr>
-        <a:xfrm>
-          <a:off x="0" y="0"/>
-          <a:ext cx="0" cy="0"/>
-          <a:chOff x="0" y="0"/>
-          <a:chExt cx="0" cy="0"/>
-        </a:xfrm>
-      </p:grpSpPr>
-      <p:sp>
-        <p:nvSpPr>
-          <p:cNvPr id="4" name="Pladsholder til indhold 3"/>
-          <p:cNvSpPr>
-            <a:spLocks noGrp="1"/>
-          </p:cNvSpPr>
-          <p:nvPr>
-            <p:ph idx="1"/>
-          </p:nvPr>
-        </p:nvSpPr>
-        <p:spPr>
-          <a:xfrm>
-            <a:off x="838199" y="615142"/>
-            <a:ext cx="10933853" cy="5561821"/>
-          </a:xfrm>
-        </p:spPr>
-        <p:txBody>
-          <a:bodyPr>
-            <a:normAutofit/>
-          </a:bodyPr>
-          <a:lstStyle/>
-          <a:p>
-            <a:pPr marL="0" indent="0">
-              <a:buNone/>
-            </a:pPr>
-            <a:r>
-              <a:rPr lang="da-DK" sz="3200" b="1" smtClean="0">
-                <a:solidFill>
-                  <a:schemeClr val="accent1">
-                    <a:lumMod val="75000"/>
-                  </a:schemeClr>
-                </a:solidFill>
-                <a:latin typeface="Consolas" panose="020B0609020204030204" pitchFamily="49" charset="0"/>
-              </a:rPr>
-              <a:t>public interface </a:t>
-            </a:r>
-            <a:r>
-              <a:rPr lang="da-DK" sz="3200" b="1" smtClean="0">
-                <a:solidFill>
-                  <a:schemeClr val="accent6">
-                    <a:lumMod val="75000"/>
-                  </a:schemeClr>
-                </a:solidFill>
-                <a:latin typeface="Consolas" panose="020B0609020204030204" pitchFamily="49" charset="0"/>
-              </a:rPr>
-              <a:t>IComparer</a:t>
-            </a:r>
-            <a:r>
-              <a:rPr lang="da-DK" sz="3200" b="1" smtClean="0">
-                <a:latin typeface="Consolas" panose="020B0609020204030204" pitchFamily="49" charset="0"/>
-              </a:rPr>
-              <a:t>&lt;</a:t>
-            </a:r>
-            <a:r>
-              <a:rPr lang="da-DK" sz="3200" b="1" smtClean="0">
-                <a:solidFill>
-                  <a:srgbClr val="FF0000"/>
-                </a:solidFill>
-                <a:latin typeface="Consolas" panose="020B0609020204030204" pitchFamily="49" charset="0"/>
-              </a:rPr>
-              <a:t>in</a:t>
-            </a:r>
-            <a:r>
-              <a:rPr lang="da-DK" sz="3200" b="1" smtClean="0">
-                <a:latin typeface="Consolas" panose="020B0609020204030204" pitchFamily="49" charset="0"/>
-              </a:rPr>
-              <a:t> </a:t>
-            </a:r>
-            <a:r>
-              <a:rPr lang="da-DK" sz="3200" b="1" smtClean="0">
-                <a:solidFill>
-                  <a:schemeClr val="accent6">
-                    <a:lumMod val="75000"/>
-                  </a:schemeClr>
-                </a:solidFill>
-                <a:latin typeface="Consolas" panose="020B0609020204030204" pitchFamily="49" charset="0"/>
-              </a:rPr>
-              <a:t>T</a:t>
-            </a:r>
-            <a:r>
-              <a:rPr lang="da-DK" sz="3200" b="1" smtClean="0">
-                <a:latin typeface="Consolas" panose="020B0609020204030204" pitchFamily="49" charset="0"/>
-              </a:rPr>
-              <a:t>&gt;</a:t>
-            </a:r>
-          </a:p>
-          <a:p>
-            <a:pPr marL="0" indent="0">
-              <a:buNone/>
-            </a:pPr>
-            <a:r>
-              <a:rPr lang="da-DK" sz="3200" b="1" smtClean="0">
-                <a:latin typeface="Consolas" panose="020B0609020204030204" pitchFamily="49" charset="0"/>
-              </a:rPr>
-              <a:t>{</a:t>
-            </a:r>
-          </a:p>
-          <a:p>
-            <a:pPr marL="0" indent="0">
-              <a:buNone/>
-            </a:pPr>
-            <a:r>
-              <a:rPr lang="da-DK" sz="3200" b="1">
-                <a:latin typeface="Consolas" panose="020B0609020204030204" pitchFamily="49" charset="0"/>
-              </a:rPr>
-              <a:t>	</a:t>
-            </a:r>
-            <a:r>
-              <a:rPr lang="da-DK" sz="3200" b="1" smtClean="0">
-                <a:solidFill>
-                  <a:srgbClr val="0070C0"/>
-                </a:solidFill>
-                <a:latin typeface="Consolas" panose="020B0609020204030204" pitchFamily="49" charset="0"/>
-              </a:rPr>
-              <a:t>int</a:t>
-            </a:r>
-            <a:r>
-              <a:rPr lang="da-DK" sz="3200" b="1" smtClean="0">
-                <a:latin typeface="Consolas" panose="020B0609020204030204" pitchFamily="49" charset="0"/>
-              </a:rPr>
-              <a:t> Compare(</a:t>
-            </a:r>
-            <a:r>
-              <a:rPr lang="da-DK" sz="3200" b="1" smtClean="0">
-                <a:solidFill>
-                  <a:schemeClr val="accent6">
-                    <a:lumMod val="75000"/>
-                  </a:schemeClr>
-                </a:solidFill>
-                <a:latin typeface="Consolas" panose="020B0609020204030204" pitchFamily="49" charset="0"/>
-              </a:rPr>
-              <a:t>T</a:t>
-            </a:r>
-            <a:r>
-              <a:rPr lang="da-DK" sz="3200" b="1" smtClean="0">
-                <a:latin typeface="Consolas" panose="020B0609020204030204" pitchFamily="49" charset="0"/>
-              </a:rPr>
-              <a:t> x, </a:t>
-            </a:r>
-            <a:r>
-              <a:rPr lang="da-DK" sz="3200" b="1">
-                <a:solidFill>
-                  <a:schemeClr val="accent6">
-                    <a:lumMod val="75000"/>
-                  </a:schemeClr>
-                </a:solidFill>
-                <a:latin typeface="Consolas" panose="020B0609020204030204" pitchFamily="49" charset="0"/>
-              </a:rPr>
-              <a:t>T</a:t>
-            </a:r>
-            <a:r>
-              <a:rPr lang="da-DK" sz="3200" b="1">
-                <a:latin typeface="Consolas" panose="020B0609020204030204" pitchFamily="49" charset="0"/>
-              </a:rPr>
-              <a:t> </a:t>
-            </a:r>
-            <a:r>
-              <a:rPr lang="da-DK" sz="3200" b="1" smtClean="0">
-                <a:latin typeface="Consolas" panose="020B0609020204030204" pitchFamily="49" charset="0"/>
-              </a:rPr>
-              <a:t>y);</a:t>
-            </a:r>
-          </a:p>
-          <a:p>
-            <a:pPr marL="0" indent="0">
-              <a:buNone/>
-            </a:pPr>
-            <a:r>
-              <a:rPr lang="da-DK" sz="3200" b="1" smtClean="0">
-                <a:latin typeface="Consolas" panose="020B0609020204030204" pitchFamily="49" charset="0"/>
-              </a:rPr>
-              <a:t>}</a:t>
-            </a:r>
-          </a:p>
-        </p:txBody>
-      </p:sp>
-    </p:spTree>
-    <p:extLst>
-      <p:ext uri="{BB962C8B-B14F-4D97-AF65-F5344CB8AC3E}">
-        <p14:creationId xmlns:p14="http://schemas.microsoft.com/office/powerpoint/2010/main" val="1402233301"/>
-      </p:ext>
-    </p:extLst>
-  </p:cSld>
-  <p:clrMapOvr>
-    <a:masterClrMapping/>
-  </p:clrMapOvr>
-  <p:timing>
-    <p:tnLst>
-      <p:par>
-        <p:cTn id="1" dur="indefinite" restart="never" nodeType="tmRoot"/>
-      </p:par>
-    </p:tnLst>
-  </p:timing>
-</p:sld>
-</file>
-
-<file path=ppt/slides/slide36.xml><?xml version="1.0" encoding="utf-8"?>
-<p:sld xmlns:a="http://schemas.openxmlformats.org/drawingml/2006/main" xmlns:r="http://schemas.openxmlformats.org/officeDocument/2006/relationships" xmlns:p="http://schemas.openxmlformats.org/presentationml/2006/main">
-  <p:cSld>
-    <p:spTree>
-      <p:nvGrpSpPr>
-        <p:cNvPr id="1" name=""/>
-        <p:cNvGrpSpPr/>
-        <p:nvPr/>
-      </p:nvGrpSpPr>
-      <p:grpSpPr>
-        <a:xfrm>
-          <a:off x="0" y="0"/>
-          <a:ext cx="0" cy="0"/>
-          <a:chOff x="0" y="0"/>
-          <a:chExt cx="0" cy="0"/>
-        </a:xfrm>
-      </p:grpSpPr>
-      <p:sp>
-        <p:nvSpPr>
-          <p:cNvPr id="4" name="Pladsholder til indhold 3"/>
-          <p:cNvSpPr>
-            <a:spLocks noGrp="1"/>
-          </p:cNvSpPr>
-          <p:nvPr>
-            <p:ph idx="1"/>
-          </p:nvPr>
-        </p:nvSpPr>
-        <p:spPr>
-          <a:xfrm>
-            <a:off x="838199" y="615142"/>
-            <a:ext cx="10933853" cy="5561821"/>
-          </a:xfrm>
-        </p:spPr>
-        <p:txBody>
-          <a:bodyPr>
-            <a:normAutofit/>
-          </a:bodyPr>
-          <a:lstStyle/>
-          <a:p>
-            <a:pPr marL="0" indent="0">
-              <a:buNone/>
-            </a:pPr>
-            <a:r>
-              <a:rPr lang="da-DK" b="1" smtClean="0">
-                <a:solidFill>
-                  <a:schemeClr val="accent1">
-                    <a:lumMod val="75000"/>
-                  </a:schemeClr>
-                </a:solidFill>
-                <a:latin typeface="Consolas" panose="020B0609020204030204" pitchFamily="49" charset="0"/>
-              </a:rPr>
-              <a:t>public </a:t>
-            </a:r>
-            <a:r>
-              <a:rPr lang="da-DK" b="1" smtClean="0">
-                <a:solidFill>
-                  <a:srgbClr val="0070C0"/>
-                </a:solidFill>
-                <a:latin typeface="Consolas" panose="020B0609020204030204" pitchFamily="49" charset="0"/>
-              </a:rPr>
-              <a:t>int</a:t>
-            </a:r>
-            <a:r>
-              <a:rPr lang="da-DK" b="1" smtClean="0">
-                <a:latin typeface="Consolas" panose="020B0609020204030204" pitchFamily="49" charset="0"/>
-              </a:rPr>
-              <a:t> Compare(</a:t>
-            </a:r>
-            <a:r>
-              <a:rPr lang="da-DK" b="1" smtClean="0">
-                <a:solidFill>
-                  <a:schemeClr val="accent6">
-                    <a:lumMod val="75000"/>
-                  </a:schemeClr>
-                </a:solidFill>
-                <a:latin typeface="Consolas" panose="020B0609020204030204" pitchFamily="49" charset="0"/>
-              </a:rPr>
-              <a:t>Dog</a:t>
-            </a:r>
-            <a:r>
-              <a:rPr lang="da-DK" b="1" smtClean="0">
-                <a:latin typeface="Consolas" panose="020B0609020204030204" pitchFamily="49" charset="0"/>
-              </a:rPr>
-              <a:t> x, </a:t>
-            </a:r>
-            <a:r>
-              <a:rPr lang="da-DK" b="1">
-                <a:solidFill>
-                  <a:schemeClr val="accent6">
-                    <a:lumMod val="75000"/>
-                  </a:schemeClr>
-                </a:solidFill>
-                <a:latin typeface="Consolas" panose="020B0609020204030204" pitchFamily="49" charset="0"/>
-              </a:rPr>
-              <a:t>Dog</a:t>
-            </a:r>
-            <a:r>
-              <a:rPr lang="da-DK" b="1">
-                <a:latin typeface="Consolas" panose="020B0609020204030204" pitchFamily="49" charset="0"/>
-              </a:rPr>
-              <a:t> </a:t>
-            </a:r>
-            <a:r>
-              <a:rPr lang="da-DK" b="1" smtClean="0">
-                <a:latin typeface="Consolas" panose="020B0609020204030204" pitchFamily="49" charset="0"/>
-              </a:rPr>
-              <a:t>y)</a:t>
-            </a:r>
-            <a:endParaRPr lang="da-DK" b="1">
-              <a:latin typeface="Consolas" panose="020B0609020204030204" pitchFamily="49" charset="0"/>
-            </a:endParaRPr>
-          </a:p>
-          <a:p>
-            <a:pPr marL="0" indent="0">
-              <a:buNone/>
-            </a:pPr>
-            <a:r>
-              <a:rPr lang="da-DK" b="1" smtClean="0">
-                <a:latin typeface="Consolas" panose="020B0609020204030204" pitchFamily="49" charset="0"/>
-              </a:rPr>
-              <a:t>{</a:t>
-            </a:r>
-          </a:p>
-          <a:p>
-            <a:pPr marL="0" indent="0">
-              <a:buNone/>
-            </a:pPr>
-            <a:r>
-              <a:rPr lang="en-US" b="1" smtClean="0">
-                <a:latin typeface="Consolas" panose="020B0609020204030204" pitchFamily="49" charset="0"/>
-              </a:rPr>
-              <a:t>	</a:t>
-            </a:r>
-            <a:r>
-              <a:rPr lang="en-US" b="1">
-                <a:solidFill>
-                  <a:srgbClr val="0070C0"/>
-                </a:solidFill>
-                <a:latin typeface="Consolas" panose="020B0609020204030204" pitchFamily="49" charset="0"/>
-              </a:rPr>
-              <a:t>if</a:t>
-            </a:r>
-            <a:r>
-              <a:rPr lang="en-US" b="1" smtClean="0">
-                <a:latin typeface="Consolas" panose="020B0609020204030204" pitchFamily="49" charset="0"/>
-              </a:rPr>
-              <a:t> (x.Weight </a:t>
-            </a:r>
-            <a:r>
-              <a:rPr lang="en-US" b="1">
-                <a:latin typeface="Consolas" panose="020B0609020204030204" pitchFamily="49" charset="0"/>
-              </a:rPr>
-              <a:t>&lt; </a:t>
-            </a:r>
-            <a:r>
-              <a:rPr lang="en-US" b="1" smtClean="0">
-                <a:latin typeface="Consolas" panose="020B0609020204030204" pitchFamily="49" charset="0"/>
-              </a:rPr>
-              <a:t>y.Weight</a:t>
-            </a:r>
-            <a:r>
-              <a:rPr lang="en-US" b="1">
-                <a:latin typeface="Consolas" panose="020B0609020204030204" pitchFamily="49" charset="0"/>
-              </a:rPr>
-              <a:t>) { </a:t>
-            </a:r>
-            <a:r>
-              <a:rPr lang="en-US" b="1">
-                <a:solidFill>
-                  <a:srgbClr val="0070C0"/>
-                </a:solidFill>
-                <a:latin typeface="Consolas" panose="020B0609020204030204" pitchFamily="49" charset="0"/>
-              </a:rPr>
-              <a:t>return</a:t>
-            </a:r>
-            <a:r>
-              <a:rPr lang="en-US" b="1">
-                <a:latin typeface="Consolas" panose="020B0609020204030204" pitchFamily="49" charset="0"/>
-              </a:rPr>
-              <a:t> -1; </a:t>
-            </a:r>
-            <a:r>
-              <a:rPr lang="en-US" b="1" smtClean="0">
-                <a:latin typeface="Consolas" panose="020B0609020204030204" pitchFamily="49" charset="0"/>
-              </a:rPr>
-              <a:t>}</a:t>
-            </a:r>
-          </a:p>
-          <a:p>
-            <a:pPr marL="0" indent="0">
-              <a:buNone/>
-            </a:pPr>
-            <a:endParaRPr lang="da-DK" b="1">
-              <a:latin typeface="Consolas" panose="020B0609020204030204" pitchFamily="49" charset="0"/>
-            </a:endParaRPr>
-          </a:p>
-          <a:p>
-            <a:pPr marL="0" indent="0">
-              <a:buNone/>
-            </a:pPr>
-            <a:r>
-              <a:rPr lang="en-US" b="1" smtClean="0">
-                <a:latin typeface="Consolas" panose="020B0609020204030204" pitchFamily="49" charset="0"/>
-              </a:rPr>
-              <a:t>	</a:t>
-            </a:r>
-            <a:r>
-              <a:rPr lang="en-US" b="1">
-                <a:solidFill>
-                  <a:srgbClr val="0070C0"/>
-                </a:solidFill>
-                <a:latin typeface="Consolas" panose="020B0609020204030204" pitchFamily="49" charset="0"/>
-              </a:rPr>
-              <a:t>if</a:t>
-            </a:r>
-            <a:r>
-              <a:rPr lang="en-US" b="1" smtClean="0">
-                <a:latin typeface="Consolas" panose="020B0609020204030204" pitchFamily="49" charset="0"/>
-              </a:rPr>
-              <a:t> (x.Weight </a:t>
-            </a:r>
-            <a:r>
-              <a:rPr lang="en-US" b="1">
-                <a:latin typeface="Consolas" panose="020B0609020204030204" pitchFamily="49" charset="0"/>
-              </a:rPr>
-              <a:t>&gt; </a:t>
-            </a:r>
-            <a:r>
-              <a:rPr lang="en-US" b="1" smtClean="0">
-                <a:latin typeface="Consolas" panose="020B0609020204030204" pitchFamily="49" charset="0"/>
-              </a:rPr>
-              <a:t>y.Weight</a:t>
-            </a:r>
-            <a:r>
-              <a:rPr lang="en-US" b="1">
-                <a:latin typeface="Consolas" panose="020B0609020204030204" pitchFamily="49" charset="0"/>
-              </a:rPr>
-              <a:t>) { </a:t>
-            </a:r>
-            <a:r>
-              <a:rPr lang="en-US" b="1">
-                <a:solidFill>
-                  <a:srgbClr val="0070C0"/>
-                </a:solidFill>
-                <a:latin typeface="Consolas" panose="020B0609020204030204" pitchFamily="49" charset="0"/>
-              </a:rPr>
-              <a:t>return</a:t>
-            </a:r>
-            <a:r>
-              <a:rPr lang="en-US" b="1">
-                <a:latin typeface="Consolas" panose="020B0609020204030204" pitchFamily="49" charset="0"/>
-              </a:rPr>
-              <a:t> 1; </a:t>
-            </a:r>
-            <a:r>
-              <a:rPr lang="en-US" b="1" smtClean="0">
-                <a:latin typeface="Consolas" panose="020B0609020204030204" pitchFamily="49" charset="0"/>
-              </a:rPr>
-              <a:t>}</a:t>
-            </a:r>
-          </a:p>
-          <a:p>
-            <a:pPr marL="0" indent="0">
-              <a:buNone/>
-            </a:pPr>
-            <a:endParaRPr lang="da-DK" b="1">
-              <a:latin typeface="Consolas" panose="020B0609020204030204" pitchFamily="49" charset="0"/>
-            </a:endParaRPr>
-          </a:p>
-          <a:p>
-            <a:pPr marL="0" indent="0">
-              <a:buNone/>
-            </a:pPr>
-            <a:r>
-              <a:rPr lang="en-US" b="1" smtClean="0">
-                <a:latin typeface="Consolas" panose="020B0609020204030204" pitchFamily="49" charset="0"/>
-              </a:rPr>
-              <a:t>	</a:t>
-            </a:r>
-            <a:r>
-              <a:rPr lang="en-US" b="1">
-                <a:solidFill>
-                  <a:srgbClr val="0070C0"/>
-                </a:solidFill>
-                <a:latin typeface="Consolas" panose="020B0609020204030204" pitchFamily="49" charset="0"/>
-              </a:rPr>
-              <a:t>return</a:t>
-            </a:r>
-            <a:r>
-              <a:rPr lang="en-US" b="1" smtClean="0">
-                <a:latin typeface="Consolas" panose="020B0609020204030204" pitchFamily="49" charset="0"/>
-              </a:rPr>
-              <a:t> </a:t>
-            </a:r>
-            <a:r>
-              <a:rPr lang="en-US" b="1">
-                <a:latin typeface="Consolas" panose="020B0609020204030204" pitchFamily="49" charset="0"/>
-              </a:rPr>
-              <a:t>0</a:t>
-            </a:r>
-            <a:r>
-              <a:rPr lang="en-US" b="1" smtClean="0">
-                <a:latin typeface="Consolas" panose="020B0609020204030204" pitchFamily="49" charset="0"/>
-              </a:rPr>
-              <a:t>;</a:t>
-            </a:r>
-            <a:endParaRPr lang="da-DK" b="1" smtClean="0">
-              <a:latin typeface="Consolas" panose="020B0609020204030204" pitchFamily="49" charset="0"/>
-            </a:endParaRPr>
-          </a:p>
-          <a:p>
-            <a:pPr marL="0" indent="0">
-              <a:buNone/>
-            </a:pPr>
-            <a:r>
-              <a:rPr lang="da-DK" b="1" smtClean="0">
-                <a:latin typeface="Consolas" panose="020B0609020204030204" pitchFamily="49" charset="0"/>
-              </a:rPr>
-              <a:t>}</a:t>
-            </a:r>
-          </a:p>
-        </p:txBody>
-      </p:sp>
-    </p:spTree>
-    <p:extLst>
-      <p:ext uri="{BB962C8B-B14F-4D97-AF65-F5344CB8AC3E}">
-        <p14:creationId xmlns:p14="http://schemas.microsoft.com/office/powerpoint/2010/main" val="3714649942"/>
       </p:ext>
     </p:extLst>
   </p:cSld>
@@ -15640,427 +15201,184 @@
       </p:grpSpPr>
       <p:sp>
         <p:nvSpPr>
-          <p:cNvPr id="13" name="Afrundet rektangel 12"/>
-          <p:cNvSpPr/>
-          <p:nvPr/>
+          <p:cNvPr id="4" name="Pladsholder til indhold 3"/>
+          <p:cNvSpPr>
+            <a:spLocks noGrp="1"/>
+          </p:cNvSpPr>
+          <p:nvPr>
+            <p:ph idx="1"/>
+          </p:nvPr>
         </p:nvSpPr>
         <p:spPr>
           <a:xfrm>
-            <a:off x="1162300" y="4438149"/>
-            <a:ext cx="3248526" cy="1660358"/>
+            <a:off x="838199" y="615142"/>
+            <a:ext cx="10933853" cy="5561821"/>
           </a:xfrm>
-          <a:prstGeom prst="roundRect">
-            <a:avLst/>
-          </a:prstGeom>
-          <a:solidFill>
-            <a:schemeClr val="bg2">
-              <a:lumMod val="75000"/>
-            </a:schemeClr>
-          </a:solidFill>
         </p:spPr>
-        <p:style>
-          <a:lnRef idx="2">
-            <a:schemeClr val="accent1">
-              <a:shade val="50000"/>
-            </a:schemeClr>
-          </a:lnRef>
-          <a:fillRef idx="1">
-            <a:schemeClr val="accent1"/>
-          </a:fillRef>
-          <a:effectRef idx="0">
-            <a:schemeClr val="accent1"/>
-          </a:effectRef>
-          <a:fontRef idx="minor">
-            <a:schemeClr val="lt1"/>
-          </a:fontRef>
-        </p:style>
         <p:txBody>
-          <a:bodyPr rtlCol="0" anchor="t"/>
+          <a:bodyPr>
+            <a:normAutofit/>
+          </a:bodyPr>
           <a:lstStyle/>
           <a:p>
-            <a:pPr algn="ctr"/>
-            <a:r>
-              <a:rPr lang="da-DK" sz="3200" smtClean="0"/>
-              <a:t>CompareDog</a:t>
-            </a:r>
-          </a:p>
-          <a:p>
-            <a:pPr algn="ctr"/>
-            <a:r>
-              <a:rPr lang="da-DK" sz="3200" smtClean="0"/>
-              <a:t>ByWeight</a:t>
-            </a:r>
-            <a:endParaRPr lang="da-DK" sz="3200"/>
+            <a:pPr marL="0" indent="0">
+              <a:buNone/>
+            </a:pPr>
+            <a:r>
+              <a:rPr lang="da-DK" sz="3200" b="1" smtClean="0">
+                <a:solidFill>
+                  <a:schemeClr val="accent1">
+                    <a:lumMod val="75000"/>
+                  </a:schemeClr>
+                </a:solidFill>
+                <a:latin typeface="Consolas" panose="020B0609020204030204" pitchFamily="49" charset="0"/>
+              </a:rPr>
+              <a:t>public interface </a:t>
+            </a:r>
+            <a:r>
+              <a:rPr lang="da-DK" sz="3200" b="1" smtClean="0">
+                <a:solidFill>
+                  <a:schemeClr val="accent6">
+                    <a:lumMod val="75000"/>
+                  </a:schemeClr>
+                </a:solidFill>
+                <a:latin typeface="Consolas" panose="020B0609020204030204" pitchFamily="49" charset="0"/>
+              </a:rPr>
+              <a:t>IComparer</a:t>
+            </a:r>
+            <a:r>
+              <a:rPr lang="da-DK" sz="3200" b="1" smtClean="0">
+                <a:latin typeface="Consolas" panose="020B0609020204030204" pitchFamily="49" charset="0"/>
+              </a:rPr>
+              <a:t>&lt;</a:t>
+            </a:r>
+            <a:r>
+              <a:rPr lang="da-DK" sz="3200" b="1" smtClean="0">
+                <a:solidFill>
+                  <a:srgbClr val="FF0000"/>
+                </a:solidFill>
+                <a:latin typeface="Consolas" panose="020B0609020204030204" pitchFamily="49" charset="0"/>
+              </a:rPr>
+              <a:t>in</a:t>
+            </a:r>
+            <a:r>
+              <a:rPr lang="da-DK" sz="3200" b="1" smtClean="0">
+                <a:latin typeface="Consolas" panose="020B0609020204030204" pitchFamily="49" charset="0"/>
+              </a:rPr>
+              <a:t> </a:t>
+            </a:r>
+            <a:r>
+              <a:rPr lang="da-DK" sz="3200" b="1" smtClean="0">
+                <a:solidFill>
+                  <a:schemeClr val="accent6">
+                    <a:lumMod val="75000"/>
+                  </a:schemeClr>
+                </a:solidFill>
+                <a:latin typeface="Consolas" panose="020B0609020204030204" pitchFamily="49" charset="0"/>
+              </a:rPr>
+              <a:t>T</a:t>
+            </a:r>
+            <a:r>
+              <a:rPr lang="da-DK" sz="3200" b="1" smtClean="0">
+                <a:latin typeface="Consolas" panose="020B0609020204030204" pitchFamily="49" charset="0"/>
+              </a:rPr>
+              <a:t>&gt;</a:t>
+            </a:r>
+          </a:p>
+          <a:p>
+            <a:pPr marL="0" indent="0">
+              <a:buNone/>
+            </a:pPr>
+            <a:r>
+              <a:rPr lang="da-DK" sz="3200" b="1" smtClean="0">
+                <a:latin typeface="Consolas" panose="020B0609020204030204" pitchFamily="49" charset="0"/>
+              </a:rPr>
+              <a:t>{</a:t>
+            </a:r>
+          </a:p>
+          <a:p>
+            <a:pPr marL="0" indent="0">
+              <a:buNone/>
+            </a:pPr>
+            <a:r>
+              <a:rPr lang="da-DK" sz="3200" b="1">
+                <a:latin typeface="Consolas" panose="020B0609020204030204" pitchFamily="49" charset="0"/>
+              </a:rPr>
+              <a:t>	</a:t>
+            </a:r>
+            <a:r>
+              <a:rPr lang="da-DK" sz="3200" b="1" smtClean="0">
+                <a:solidFill>
+                  <a:srgbClr val="0070C0"/>
+                </a:solidFill>
+                <a:latin typeface="Consolas" panose="020B0609020204030204" pitchFamily="49" charset="0"/>
+              </a:rPr>
+              <a:t>int</a:t>
+            </a:r>
+            <a:r>
+              <a:rPr lang="da-DK" sz="3200" b="1" smtClean="0">
+                <a:latin typeface="Consolas" panose="020B0609020204030204" pitchFamily="49" charset="0"/>
+              </a:rPr>
+              <a:t> Compare(</a:t>
+            </a:r>
+            <a:r>
+              <a:rPr lang="da-DK" sz="3200" b="1" smtClean="0">
+                <a:solidFill>
+                  <a:schemeClr val="accent6">
+                    <a:lumMod val="75000"/>
+                  </a:schemeClr>
+                </a:solidFill>
+                <a:latin typeface="Consolas" panose="020B0609020204030204" pitchFamily="49" charset="0"/>
+              </a:rPr>
+              <a:t>T</a:t>
+            </a:r>
+            <a:r>
+              <a:rPr lang="da-DK" sz="3200" b="1" smtClean="0">
+                <a:latin typeface="Consolas" panose="020B0609020204030204" pitchFamily="49" charset="0"/>
+              </a:rPr>
+              <a:t> x, </a:t>
+            </a:r>
+            <a:r>
+              <a:rPr lang="da-DK" sz="3200" b="1">
+                <a:solidFill>
+                  <a:schemeClr val="accent6">
+                    <a:lumMod val="75000"/>
+                  </a:schemeClr>
+                </a:solidFill>
+                <a:latin typeface="Consolas" panose="020B0609020204030204" pitchFamily="49" charset="0"/>
+              </a:rPr>
+              <a:t>T</a:t>
+            </a:r>
+            <a:r>
+              <a:rPr lang="da-DK" sz="3200" b="1">
+                <a:latin typeface="Consolas" panose="020B0609020204030204" pitchFamily="49" charset="0"/>
+              </a:rPr>
+              <a:t> </a:t>
+            </a:r>
+            <a:r>
+              <a:rPr lang="da-DK" sz="3200" b="1" smtClean="0">
+                <a:latin typeface="Consolas" panose="020B0609020204030204" pitchFamily="49" charset="0"/>
+              </a:rPr>
+              <a:t>y);</a:t>
+            </a:r>
+          </a:p>
+          <a:p>
+            <a:pPr marL="0" indent="0">
+              <a:buNone/>
+            </a:pPr>
+            <a:r>
+              <a:rPr lang="da-DK" sz="3200" b="1" smtClean="0">
+                <a:latin typeface="Consolas" panose="020B0609020204030204" pitchFamily="49" charset="0"/>
+              </a:rPr>
+              <a:t>}</a:t>
+            </a:r>
           </a:p>
         </p:txBody>
       </p:sp>
-      <p:sp>
-        <p:nvSpPr>
-          <p:cNvPr id="7" name="Afrundet rektangel 6"/>
-          <p:cNvSpPr/>
-          <p:nvPr/>
-        </p:nvSpPr>
-        <p:spPr>
-          <a:xfrm>
-            <a:off x="6362449" y="4114299"/>
-            <a:ext cx="3248526" cy="1881438"/>
-          </a:xfrm>
-          <a:prstGeom prst="roundRect">
-            <a:avLst/>
-          </a:prstGeom>
-          <a:solidFill>
-            <a:schemeClr val="accent6">
-              <a:lumMod val="75000"/>
-            </a:schemeClr>
-          </a:solidFill>
-        </p:spPr>
-        <p:style>
-          <a:lnRef idx="2">
-            <a:schemeClr val="accent1">
-              <a:shade val="50000"/>
-            </a:schemeClr>
-          </a:lnRef>
-          <a:fillRef idx="1">
-            <a:schemeClr val="accent1"/>
-          </a:fillRef>
-          <a:effectRef idx="0">
-            <a:schemeClr val="accent1"/>
-          </a:effectRef>
-          <a:fontRef idx="minor">
-            <a:schemeClr val="lt1"/>
-          </a:fontRef>
-        </p:style>
-        <p:txBody>
-          <a:bodyPr rtlCol="0" anchor="t"/>
-          <a:lstStyle/>
-          <a:p>
-            <a:pPr algn="ctr"/>
-            <a:r>
-              <a:rPr lang="da-DK" sz="4400" smtClean="0"/>
-              <a:t>List&lt;Dog&gt;</a:t>
-            </a:r>
-            <a:endParaRPr lang="da-DK" sz="4400"/>
-          </a:p>
-        </p:txBody>
-      </p:sp>
-      <p:sp>
-        <p:nvSpPr>
-          <p:cNvPr id="4" name="Afrundet rektangel 3"/>
-          <p:cNvSpPr/>
-          <p:nvPr/>
-        </p:nvSpPr>
-        <p:spPr>
-          <a:xfrm>
-            <a:off x="865021" y="1169320"/>
-            <a:ext cx="3248526" cy="1660358"/>
-          </a:xfrm>
-          <a:prstGeom prst="roundRect">
-            <a:avLst/>
-          </a:prstGeom>
-        </p:spPr>
-        <p:style>
-          <a:lnRef idx="2">
-            <a:schemeClr val="accent1">
-              <a:shade val="50000"/>
-            </a:schemeClr>
-          </a:lnRef>
-          <a:fillRef idx="1">
-            <a:schemeClr val="accent1"/>
-          </a:fillRef>
-          <a:effectRef idx="0">
-            <a:schemeClr val="accent1"/>
-          </a:effectRef>
-          <a:fontRef idx="minor">
-            <a:schemeClr val="lt1"/>
-          </a:fontRef>
-        </p:style>
-        <p:txBody>
-          <a:bodyPr rtlCol="0" anchor="t"/>
-          <a:lstStyle/>
-          <a:p>
-            <a:pPr algn="ctr"/>
-            <a:r>
-              <a:rPr lang="da-DK" sz="4400" smtClean="0"/>
-              <a:t>Dog</a:t>
-            </a:r>
-            <a:endParaRPr lang="da-DK" sz="4400"/>
-          </a:p>
-        </p:txBody>
-      </p:sp>
-      <p:sp>
-        <p:nvSpPr>
-          <p:cNvPr id="5" name="Afrundet rektangel 4"/>
-          <p:cNvSpPr/>
-          <p:nvPr/>
-        </p:nvSpPr>
-        <p:spPr>
-          <a:xfrm>
-            <a:off x="7311940" y="5066299"/>
-            <a:ext cx="1540043" cy="784057"/>
-          </a:xfrm>
-          <a:prstGeom prst="roundRect">
-            <a:avLst/>
-          </a:prstGeom>
-          <a:solidFill>
-            <a:srgbClr val="C00000"/>
-          </a:solidFill>
-        </p:spPr>
-        <p:style>
-          <a:lnRef idx="2">
-            <a:schemeClr val="accent1">
-              <a:shade val="50000"/>
-            </a:schemeClr>
-          </a:lnRef>
-          <a:fillRef idx="1">
-            <a:schemeClr val="accent1"/>
-          </a:fillRef>
-          <a:effectRef idx="0">
-            <a:schemeClr val="accent1"/>
-          </a:effectRef>
-          <a:fontRef idx="minor">
-            <a:schemeClr val="lt1"/>
-          </a:fontRef>
-        </p:style>
-        <p:txBody>
-          <a:bodyPr rtlCol="0" anchor="t"/>
-          <a:lstStyle/>
-          <a:p>
-            <a:pPr algn="ctr"/>
-            <a:r>
-              <a:rPr lang="da-DK" sz="3200" smtClean="0"/>
-              <a:t>Sort</a:t>
-            </a:r>
-          </a:p>
-        </p:txBody>
-      </p:sp>
-      <p:sp>
-        <p:nvSpPr>
-          <p:cNvPr id="6" name="Afrundet rektangel 5"/>
-          <p:cNvSpPr/>
-          <p:nvPr/>
-        </p:nvSpPr>
-        <p:spPr>
-          <a:xfrm>
-            <a:off x="4647698" y="1159045"/>
-            <a:ext cx="3429502" cy="1014663"/>
-          </a:xfrm>
-          <a:prstGeom prst="roundRect">
-            <a:avLst/>
-          </a:prstGeom>
-          <a:solidFill>
-            <a:schemeClr val="accent4">
-              <a:lumMod val="75000"/>
-            </a:schemeClr>
-          </a:solidFill>
-        </p:spPr>
-        <p:style>
-          <a:lnRef idx="2">
-            <a:schemeClr val="accent1">
-              <a:shade val="50000"/>
-            </a:schemeClr>
-          </a:lnRef>
-          <a:fillRef idx="1">
-            <a:schemeClr val="accent1"/>
-          </a:fillRef>
-          <a:effectRef idx="0">
-            <a:schemeClr val="accent1"/>
-          </a:effectRef>
-          <a:fontRef idx="minor">
-            <a:schemeClr val="lt1"/>
-          </a:fontRef>
-        </p:style>
-        <p:txBody>
-          <a:bodyPr rtlCol="0" anchor="t"/>
-          <a:lstStyle/>
-          <a:p>
-            <a:pPr algn="ctr"/>
-            <a:r>
-              <a:rPr lang="da-DK" sz="3200" smtClean="0"/>
-              <a:t>IComparer&lt;Dog&gt;</a:t>
-            </a:r>
-            <a:endParaRPr lang="da-DK" sz="3200"/>
-          </a:p>
-        </p:txBody>
-      </p:sp>
-      <p:cxnSp>
-        <p:nvCxnSpPr>
-          <p:cNvPr id="8" name="Lige pilforbindelse 7"/>
-          <p:cNvCxnSpPr>
-            <a:stCxn id="9" idx="0"/>
-            <a:endCxn id="6" idx="2"/>
-          </p:cNvCxnSpPr>
-          <p:nvPr/>
-        </p:nvCxnSpPr>
-        <p:spPr>
-          <a:xfrm flipV="1">
-            <a:off x="2459204" y="2173708"/>
-            <a:ext cx="3903245" cy="1940591"/>
-          </a:xfrm>
-          <a:prstGeom prst="straightConnector1">
-            <a:avLst/>
-          </a:prstGeom>
-          <a:ln w="76200">
-            <a:solidFill>
-              <a:schemeClr val="tx1"/>
-            </a:solidFill>
-            <a:tailEnd type="triangle"/>
-          </a:ln>
-        </p:spPr>
-        <p:style>
-          <a:lnRef idx="1">
-            <a:schemeClr val="accent1"/>
-          </a:lnRef>
-          <a:fillRef idx="0">
-            <a:schemeClr val="accent1"/>
-          </a:fillRef>
-          <a:effectRef idx="0">
-            <a:schemeClr val="accent1"/>
-          </a:effectRef>
-          <a:fontRef idx="minor">
-            <a:schemeClr val="tx1"/>
-          </a:fontRef>
-        </p:style>
-      </p:cxnSp>
-      <p:cxnSp>
-        <p:nvCxnSpPr>
-          <p:cNvPr id="11" name="Lige pilforbindelse 10"/>
-          <p:cNvCxnSpPr>
-            <a:stCxn id="5" idx="0"/>
-            <a:endCxn id="6" idx="2"/>
-          </p:cNvCxnSpPr>
-          <p:nvPr/>
-        </p:nvCxnSpPr>
-        <p:spPr>
-          <a:xfrm flipH="1" flipV="1">
-            <a:off x="6362449" y="2173708"/>
-            <a:ext cx="1719513" cy="2892591"/>
-          </a:xfrm>
-          <a:prstGeom prst="straightConnector1">
-            <a:avLst/>
-          </a:prstGeom>
-          <a:ln w="76200">
-            <a:solidFill>
-              <a:schemeClr val="tx1"/>
-            </a:solidFill>
-            <a:prstDash val="sysDot"/>
-            <a:tailEnd type="triangle"/>
-          </a:ln>
-        </p:spPr>
-        <p:style>
-          <a:lnRef idx="1">
-            <a:schemeClr val="accent1"/>
-          </a:lnRef>
-          <a:fillRef idx="0">
-            <a:schemeClr val="accent1"/>
-          </a:fillRef>
-          <a:effectRef idx="0">
-            <a:schemeClr val="accent1"/>
-          </a:effectRef>
-          <a:fontRef idx="minor">
-            <a:schemeClr val="tx1"/>
-          </a:fontRef>
-        </p:style>
-      </p:cxnSp>
-      <p:sp>
-        <p:nvSpPr>
-          <p:cNvPr id="9" name="Afrundet rektangel 8"/>
-          <p:cNvSpPr/>
-          <p:nvPr/>
-        </p:nvSpPr>
-        <p:spPr>
-          <a:xfrm>
-            <a:off x="834941" y="4114299"/>
-            <a:ext cx="3248526" cy="1660358"/>
-          </a:xfrm>
-          <a:prstGeom prst="roundRect">
-            <a:avLst/>
-          </a:prstGeom>
-          <a:solidFill>
-            <a:schemeClr val="bg2">
-              <a:lumMod val="50000"/>
-            </a:schemeClr>
-          </a:solidFill>
-        </p:spPr>
-        <p:style>
-          <a:lnRef idx="2">
-            <a:schemeClr val="accent1">
-              <a:shade val="50000"/>
-            </a:schemeClr>
-          </a:lnRef>
-          <a:fillRef idx="1">
-            <a:schemeClr val="accent1"/>
-          </a:fillRef>
-          <a:effectRef idx="0">
-            <a:schemeClr val="accent1"/>
-          </a:effectRef>
-          <a:fontRef idx="minor">
-            <a:schemeClr val="lt1"/>
-          </a:fontRef>
-        </p:style>
-        <p:txBody>
-          <a:bodyPr rtlCol="0" anchor="t"/>
-          <a:lstStyle/>
-          <a:p>
-            <a:pPr algn="ctr"/>
-            <a:r>
-              <a:rPr lang="da-DK" sz="3200" smtClean="0"/>
-              <a:t>CompareDog</a:t>
-            </a:r>
-          </a:p>
-          <a:p>
-            <a:pPr algn="ctr"/>
-            <a:r>
-              <a:rPr lang="da-DK" sz="3200" smtClean="0"/>
-              <a:t>ByWeight</a:t>
-            </a:r>
-            <a:endParaRPr lang="da-DK" sz="3200"/>
-          </a:p>
-        </p:txBody>
-      </p:sp>
-      <p:cxnSp>
-        <p:nvCxnSpPr>
-          <p:cNvPr id="14" name="Lige pilforbindelse 13"/>
-          <p:cNvCxnSpPr>
-            <a:stCxn id="9" idx="0"/>
-            <a:endCxn id="4" idx="2"/>
-          </p:cNvCxnSpPr>
-          <p:nvPr/>
-        </p:nvCxnSpPr>
-        <p:spPr>
-          <a:xfrm flipV="1">
-            <a:off x="2459204" y="2829678"/>
-            <a:ext cx="30080" cy="1284621"/>
-          </a:xfrm>
-          <a:prstGeom prst="straightConnector1">
-            <a:avLst/>
-          </a:prstGeom>
-          <a:ln w="76200">
-            <a:solidFill>
-              <a:schemeClr val="tx1"/>
-            </a:solidFill>
-            <a:prstDash val="sysDot"/>
-            <a:tailEnd type="triangle"/>
-          </a:ln>
-        </p:spPr>
-        <p:style>
-          <a:lnRef idx="1">
-            <a:schemeClr val="accent1"/>
-          </a:lnRef>
-          <a:fillRef idx="0">
-            <a:schemeClr val="accent1"/>
-          </a:fillRef>
-          <a:effectRef idx="0">
-            <a:schemeClr val="accent1"/>
-          </a:effectRef>
-          <a:fontRef idx="minor">
-            <a:schemeClr val="tx1"/>
-          </a:fontRef>
-        </p:style>
-      </p:cxnSp>
     </p:spTree>
     <p:extLst>
       <p:ext uri="{BB962C8B-B14F-4D97-AF65-F5344CB8AC3E}">
-        <p14:creationId xmlns:p14="http://schemas.microsoft.com/office/powerpoint/2010/main" val="3583475640"/>
+        <p14:creationId xmlns:p14="http://schemas.microsoft.com/office/powerpoint/2010/main" val="1402233301"/>
       </p:ext>
     </p:extLst>
   </p:cSld>
@@ -16096,34 +15414,7 @@
       </p:grpSpPr>
       <p:sp>
         <p:nvSpPr>
-          <p:cNvPr id="2" name="Titel 1"/>
-          <p:cNvSpPr>
-            <a:spLocks noGrp="1"/>
-          </p:cNvSpPr>
-          <p:nvPr>
-            <p:ph type="title"/>
-          </p:nvPr>
-        </p:nvSpPr>
-        <p:spPr/>
-        <p:txBody>
-          <a:bodyPr/>
-          <a:lstStyle/>
-          <a:p>
-            <a:r>
-              <a:rPr lang="da-DK"/>
-              <a:t>R</a:t>
-            </a:r>
-            <a:r>
-              <a:rPr lang="da-DK" smtClean="0"/>
-              <a:t>esponsibilities</a:t>
-            </a:r>
-            <a:endParaRPr lang="da-DK"/>
-          </a:p>
-        </p:txBody>
-      </p:sp>
-      <p:sp>
-        <p:nvSpPr>
-          <p:cNvPr id="3" name="Pladsholder til indhold 2"/>
+          <p:cNvPr id="4" name="Pladsholder til indhold 3"/>
           <p:cNvSpPr>
             <a:spLocks noGrp="1"/>
           </p:cNvSpPr>
@@ -16133,39 +15424,45 @@
         </p:nvSpPr>
         <p:spPr>
           <a:xfrm>
-            <a:off x="838200" y="1636295"/>
-            <a:ext cx="10515600" cy="4540668"/>
+            <a:off x="838199" y="615142"/>
+            <a:ext cx="10933853" cy="5561821"/>
           </a:xfrm>
         </p:spPr>
         <p:txBody>
-          <a:bodyPr/>
+          <a:bodyPr>
+            <a:normAutofit/>
+          </a:bodyPr>
           <a:lstStyle/>
           <a:p>
-            <a:r>
-              <a:rPr lang="da-DK" b="1" smtClean="0"/>
-              <a:t>Dog</a:t>
-            </a:r>
-            <a:r>
-              <a:rPr lang="da-DK" smtClean="0"/>
-              <a:t> </a:t>
-            </a:r>
-          </a:p>
-          <a:p>
-            <a:pPr lvl="1"/>
-            <a:r>
-              <a:rPr lang="da-DK" smtClean="0"/>
-              <a:t>No dependencies to other classes</a:t>
-            </a:r>
-          </a:p>
-          <a:p>
-            <a:pPr lvl="1"/>
-            <a:r>
-              <a:rPr lang="da-DK" smtClean="0"/>
-              <a:t>No knowledge of sorting or comparison</a:t>
-            </a:r>
-          </a:p>
-          <a:p>
-            <a:pPr lvl="1"/>
+            <a:pPr marL="0" indent="0">
+              <a:buNone/>
+            </a:pPr>
+            <a:r>
+              <a:rPr lang="da-DK" b="1" smtClean="0">
+                <a:solidFill>
+                  <a:schemeClr val="accent1">
+                    <a:lumMod val="75000"/>
+                  </a:schemeClr>
+                </a:solidFill>
+                <a:latin typeface="Consolas" panose="020B0609020204030204" pitchFamily="49" charset="0"/>
+              </a:rPr>
+              <a:t>public </a:t>
+            </a:r>
+            <a:r>
+              <a:rPr lang="da-DK" b="1" smtClean="0">
+                <a:solidFill>
+                  <a:srgbClr val="0070C0"/>
+                </a:solidFill>
+                <a:latin typeface="Consolas" panose="020B0609020204030204" pitchFamily="49" charset="0"/>
+              </a:rPr>
+              <a:t>int</a:t>
+            </a:r>
+            <a:r>
+              <a:rPr lang="da-DK" b="1" smtClean="0">
+                <a:latin typeface="Consolas" panose="020B0609020204030204" pitchFamily="49" charset="0"/>
+              </a:rPr>
+              <a:t> Compare(</a:t>
+            </a:r>
             <a:r>
               <a:rPr lang="da-DK" b="1" smtClean="0">
                 <a:solidFill>
@@ -16173,116 +15470,276 @@
                     <a:lumMod val="75000"/>
                   </a:schemeClr>
                 </a:solidFill>
-              </a:rPr>
-              <a:t>Contains Dog domain logic (state/behavior)</a:t>
-            </a:r>
-          </a:p>
-          <a:p>
-            <a:r>
-              <a:rPr lang="da-DK" b="1" smtClean="0"/>
-              <a:t>List&lt;Dog&gt;</a:t>
-            </a:r>
-            <a:endParaRPr lang="da-DK"/>
-          </a:p>
-          <a:p>
-            <a:pPr lvl="1"/>
+                <a:latin typeface="Consolas" panose="020B0609020204030204" pitchFamily="49" charset="0"/>
+              </a:rPr>
+              <a:t>Dog</a:t>
+            </a:r>
             <a:r>
               <a:rPr lang="da-DK" b="1" smtClean="0">
+                <a:latin typeface="Consolas" panose="020B0609020204030204" pitchFamily="49" charset="0"/>
+              </a:rPr>
+              <a:t> x, </a:t>
+            </a:r>
+            <a:r>
+              <a:rPr lang="da-DK" b="1">
                 <a:solidFill>
                   <a:schemeClr val="accent6">
                     <a:lumMod val="75000"/>
                   </a:schemeClr>
                 </a:solidFill>
-              </a:rPr>
-              <a:t>Knows how to sort items efficiently</a:t>
+                <a:latin typeface="Consolas" panose="020B0609020204030204" pitchFamily="49" charset="0"/>
+              </a:rPr>
+              <a:t>Dog</a:t>
+            </a:r>
+            <a:r>
+              <a:rPr lang="da-DK" b="1">
+                <a:latin typeface="Consolas" panose="020B0609020204030204" pitchFamily="49" charset="0"/>
+              </a:rPr>
+              <a:t> </a:t>
+            </a:r>
+            <a:r>
+              <a:rPr lang="da-DK" b="1" smtClean="0">
+                <a:latin typeface="Consolas" panose="020B0609020204030204" pitchFamily="49" charset="0"/>
+              </a:rPr>
+              <a:t>y)</a:t>
             </a:r>
             <a:endParaRPr lang="da-DK" b="1">
-              <a:solidFill>
-                <a:schemeClr val="accent6">
-                  <a:lumMod val="75000"/>
-                </a:schemeClr>
-              </a:solidFill>
+              <a:latin typeface="Consolas" panose="020B0609020204030204" pitchFamily="49" charset="0"/>
             </a:endParaRPr>
           </a:p>
           <a:p>
-            <a:pPr lvl="1"/>
-            <a:r>
-              <a:rPr lang="da-DK" smtClean="0"/>
-              <a:t>Does not know how to compare </a:t>
-            </a:r>
-            <a:r>
-              <a:rPr lang="da-DK" b="1" smtClean="0"/>
-              <a:t>Dog</a:t>
-            </a:r>
-            <a:r>
-              <a:rPr lang="da-DK"/>
+            <a:pPr marL="0" indent="0">
+              <a:buNone/>
+            </a:pPr>
+            <a:r>
+              <a:rPr lang="da-DK" b="1" smtClean="0">
+                <a:latin typeface="Consolas" panose="020B0609020204030204" pitchFamily="49" charset="0"/>
+              </a:rPr>
+              <a:t>{</a:t>
+            </a:r>
+          </a:p>
+          <a:p>
+            <a:pPr marL="0" indent="0">
+              <a:buNone/>
+            </a:pPr>
+            <a:r>
+              <a:rPr lang="en-US" b="1" smtClean="0">
+                <a:latin typeface="Consolas" panose="020B0609020204030204" pitchFamily="49" charset="0"/>
+              </a:rPr>
+              <a:t>	</a:t>
+            </a:r>
+            <a:r>
+              <a:rPr lang="en-US" b="1">
+                <a:solidFill>
+                  <a:srgbClr val="0070C0"/>
+                </a:solidFill>
+                <a:latin typeface="Consolas" panose="020B0609020204030204" pitchFamily="49" charset="0"/>
+              </a:rPr>
+              <a:t>if</a:t>
+            </a:r>
+            <a:r>
+              <a:rPr lang="en-US" b="1" smtClean="0">
+                <a:latin typeface="Consolas" panose="020B0609020204030204" pitchFamily="49" charset="0"/>
+              </a:rPr>
+              <a:t> (x.Weight </a:t>
+            </a:r>
+            <a:r>
+              <a:rPr lang="en-US" b="1">
+                <a:latin typeface="Consolas" panose="020B0609020204030204" pitchFamily="49" charset="0"/>
+              </a:rPr>
+              <a:t>&lt; </a:t>
+            </a:r>
+            <a:r>
+              <a:rPr lang="en-US" b="1" smtClean="0">
+                <a:latin typeface="Consolas" panose="020B0609020204030204" pitchFamily="49" charset="0"/>
+              </a:rPr>
+              <a:t>y.Weight</a:t>
+            </a:r>
+            <a:r>
+              <a:rPr lang="en-US" b="1">
+                <a:latin typeface="Consolas" panose="020B0609020204030204" pitchFamily="49" charset="0"/>
+              </a:rPr>
+              <a:t>) { </a:t>
+            </a:r>
+            <a:r>
+              <a:rPr lang="en-US" b="1">
+                <a:solidFill>
+                  <a:srgbClr val="0070C0"/>
+                </a:solidFill>
+                <a:latin typeface="Consolas" panose="020B0609020204030204" pitchFamily="49" charset="0"/>
+              </a:rPr>
+              <a:t>return</a:t>
+            </a:r>
+            <a:r>
+              <a:rPr lang="en-US" b="1">
+                <a:latin typeface="Consolas" panose="020B0609020204030204" pitchFamily="49" charset="0"/>
+              </a:rPr>
+              <a:t> -1; </a:t>
+            </a:r>
+            <a:r>
+              <a:rPr lang="en-US" b="1" smtClean="0">
+                <a:latin typeface="Consolas" panose="020B0609020204030204" pitchFamily="49" charset="0"/>
+              </a:rPr>
+              <a:t>}</a:t>
+            </a:r>
+          </a:p>
+          <a:p>
+            <a:pPr marL="0" indent="0">
+              <a:buNone/>
+            </a:pPr>
+            <a:endParaRPr lang="da-DK" b="1">
+              <a:latin typeface="Consolas" panose="020B0609020204030204" pitchFamily="49" charset="0"/>
+            </a:endParaRPr>
+          </a:p>
+          <a:p>
+            <a:pPr marL="0" indent="0">
+              <a:buNone/>
+            </a:pPr>
+            <a:r>
+              <a:rPr lang="en-US" b="1" smtClean="0">
+                <a:latin typeface="Consolas" panose="020B0609020204030204" pitchFamily="49" charset="0"/>
+              </a:rPr>
+              <a:t>	</a:t>
+            </a:r>
+            <a:r>
+              <a:rPr lang="en-US" b="1">
+                <a:solidFill>
+                  <a:srgbClr val="0070C0"/>
+                </a:solidFill>
+                <a:latin typeface="Consolas" panose="020B0609020204030204" pitchFamily="49" charset="0"/>
+              </a:rPr>
+              <a:t>if</a:t>
+            </a:r>
+            <a:r>
+              <a:rPr lang="en-US" b="1" smtClean="0">
+                <a:latin typeface="Consolas" panose="020B0609020204030204" pitchFamily="49" charset="0"/>
+              </a:rPr>
+              <a:t> (x.Weight </a:t>
+            </a:r>
+            <a:r>
+              <a:rPr lang="en-US" b="1">
+                <a:latin typeface="Consolas" panose="020B0609020204030204" pitchFamily="49" charset="0"/>
+              </a:rPr>
+              <a:t>&gt; </a:t>
+            </a:r>
+            <a:r>
+              <a:rPr lang="en-US" b="1" smtClean="0">
+                <a:latin typeface="Consolas" panose="020B0609020204030204" pitchFamily="49" charset="0"/>
+              </a:rPr>
+              <a:t>y.Weight</a:t>
+            </a:r>
+            <a:r>
+              <a:rPr lang="en-US" b="1">
+                <a:latin typeface="Consolas" panose="020B0609020204030204" pitchFamily="49" charset="0"/>
+              </a:rPr>
+              <a:t>) { </a:t>
+            </a:r>
+            <a:r>
+              <a:rPr lang="en-US" b="1">
+                <a:solidFill>
+                  <a:srgbClr val="0070C0"/>
+                </a:solidFill>
+                <a:latin typeface="Consolas" panose="020B0609020204030204" pitchFamily="49" charset="0"/>
+              </a:rPr>
+              <a:t>return</a:t>
+            </a:r>
+            <a:r>
+              <a:rPr lang="en-US" b="1">
+                <a:latin typeface="Consolas" panose="020B0609020204030204" pitchFamily="49" charset="0"/>
+              </a:rPr>
+              <a:t> 1; </a:t>
+            </a:r>
+            <a:r>
+              <a:rPr lang="en-US" b="1" smtClean="0">
+                <a:latin typeface="Consolas" panose="020B0609020204030204" pitchFamily="49" charset="0"/>
+              </a:rPr>
+              <a:t>}</a:t>
+            </a:r>
+          </a:p>
+          <a:p>
+            <a:pPr marL="0" indent="0">
+              <a:buNone/>
+            </a:pPr>
+            <a:endParaRPr lang="da-DK" b="1">
+              <a:latin typeface="Consolas" panose="020B0609020204030204" pitchFamily="49" charset="0"/>
+            </a:endParaRPr>
+          </a:p>
+          <a:p>
+            <a:pPr marL="0" indent="0">
+              <a:buNone/>
+            </a:pPr>
+            <a:r>
+              <a:rPr lang="en-US" b="1" smtClean="0">
+                <a:latin typeface="Consolas" panose="020B0609020204030204" pitchFamily="49" charset="0"/>
+              </a:rPr>
+              <a:t>	</a:t>
+            </a:r>
+            <a:r>
+              <a:rPr lang="en-US" b="1">
+                <a:solidFill>
+                  <a:srgbClr val="0070C0"/>
+                </a:solidFill>
+                <a:latin typeface="Consolas" panose="020B0609020204030204" pitchFamily="49" charset="0"/>
+              </a:rPr>
+              <a:t>return</a:t>
+            </a:r>
+            <a:r>
+              <a:rPr lang="en-US" b="1" smtClean="0">
+                <a:latin typeface="Consolas" panose="020B0609020204030204" pitchFamily="49" charset="0"/>
+              </a:rPr>
               <a:t> </a:t>
             </a:r>
             <a:r>
-              <a:rPr lang="da-DK" smtClean="0"/>
-              <a:t>objects</a:t>
-            </a:r>
-          </a:p>
-          <a:p>
-            <a:r>
-              <a:rPr lang="da-DK" b="1" smtClean="0"/>
-              <a:t>CompareDogByWeight </a:t>
-            </a:r>
-            <a:r>
-              <a:rPr lang="da-DK" smtClean="0"/>
-              <a:t>(+ all impl. of </a:t>
-            </a:r>
-            <a:r>
-              <a:rPr lang="da-DK" b="1" smtClean="0"/>
-              <a:t>IComparer&lt;Dog&gt;</a:t>
-            </a:r>
-            <a:r>
-              <a:rPr lang="da-DK" smtClean="0"/>
-              <a:t>)</a:t>
-            </a:r>
-          </a:p>
-          <a:p>
-            <a:pPr lvl="1"/>
-            <a:r>
-              <a:rPr lang="da-DK" smtClean="0"/>
-              <a:t>Does not know how to sort objects</a:t>
-            </a:r>
-          </a:p>
-          <a:p>
-            <a:pPr lvl="1"/>
+              <a:rPr lang="en-US" b="1">
+                <a:latin typeface="Consolas" panose="020B0609020204030204" pitchFamily="49" charset="0"/>
+              </a:rPr>
+              <a:t>0</a:t>
+            </a:r>
+            <a:r>
+              <a:rPr lang="en-US" b="1" smtClean="0">
+                <a:latin typeface="Consolas" panose="020B0609020204030204" pitchFamily="49" charset="0"/>
+              </a:rPr>
+              <a:t>;</a:t>
+            </a:r>
+            <a:endParaRPr lang="da-DK" b="1" smtClean="0">
+              <a:latin typeface="Consolas" panose="020B0609020204030204" pitchFamily="49" charset="0"/>
+            </a:endParaRPr>
+          </a:p>
+          <a:p>
+            <a:pPr marL="0" indent="0">
+              <a:buNone/>
+            </a:pPr>
             <a:r>
               <a:rPr lang="da-DK" b="1" smtClean="0">
-                <a:solidFill>
-                  <a:schemeClr val="accent6">
-                    <a:lumMod val="75000"/>
-                  </a:schemeClr>
-                </a:solidFill>
-              </a:rPr>
-              <a:t>Knows how to compare Dog objects</a:t>
-            </a:r>
-            <a:endParaRPr lang="da-DK" b="1">
-              <a:solidFill>
-                <a:schemeClr val="accent6">
-                  <a:lumMod val="75000"/>
-                </a:schemeClr>
-              </a:solidFill>
-            </a:endParaRPr>
-          </a:p>
-          <a:p>
-            <a:endParaRPr lang="da-DK"/>
+                <a:latin typeface="Consolas" panose="020B0609020204030204" pitchFamily="49" charset="0"/>
+              </a:rPr>
+              <a:t>}</a:t>
+            </a:r>
           </a:p>
         </p:txBody>
       </p:sp>
     </p:spTree>
     <p:extLst>
       <p:ext uri="{BB962C8B-B14F-4D97-AF65-F5344CB8AC3E}">
-        <p14:creationId xmlns:p14="http://schemas.microsoft.com/office/powerpoint/2010/main" val="3802076480"/>
+        <p14:creationId xmlns:p14="http://schemas.microsoft.com/office/powerpoint/2010/main" val="3714649942"/>
       </p:ext>
     </p:extLst>
   </p:cSld>
   <p:clrMapOvr>
     <a:masterClrMapping/>
   </p:clrMapOvr>
+  <mc:AlternateContent xmlns:mc="http://schemas.openxmlformats.org/markup-compatibility/2006" xmlns:p14="http://schemas.microsoft.com/office/powerpoint/2010/main">
+    <mc:Choice Requires="p14">
+      <p:transition spd="med" p14:dur="700">
+        <p:fade/>
+      </p:transition>
+    </mc:Choice>
+    <mc:Fallback xmlns="">
+      <p:transition spd="med">
+        <p:fade/>
+      </p:transition>
+    </mc:Fallback>
+  </mc:AlternateContent>
   <p:timing>
     <p:tnLst>
       <p:par>
@@ -16318,7 +15775,7 @@
         </p:nvSpPr>
         <p:spPr>
           <a:xfrm>
-            <a:off x="7356309" y="1828800"/>
+            <a:off x="1162300" y="4438149"/>
             <a:ext cx="3248526" cy="1660358"/>
           </a:xfrm>
           <a:prstGeom prst="roundRect">
@@ -16374,8 +15831,8 @@
         </p:nvSpPr>
         <p:spPr>
           <a:xfrm>
-            <a:off x="1063792" y="1524000"/>
-            <a:ext cx="3248526" cy="1996740"/>
+            <a:off x="6362449" y="4114299"/>
+            <a:ext cx="3248526" cy="1881438"/>
           </a:xfrm>
           <a:prstGeom prst="roundRect">
             <a:avLst/>
@@ -16417,13 +15874,57 @@
       </p:sp>
       <p:sp>
         <p:nvSpPr>
+          <p:cNvPr id="4" name="Afrundet rektangel 3"/>
+          <p:cNvSpPr/>
+          <p:nvPr/>
+        </p:nvSpPr>
+        <p:spPr>
+          <a:xfrm>
+            <a:off x="865021" y="1169320"/>
+            <a:ext cx="3248526" cy="1660358"/>
+          </a:xfrm>
+          <a:prstGeom prst="roundRect">
+            <a:avLst/>
+          </a:prstGeom>
+        </p:spPr>
+        <p:style>
+          <a:lnRef idx="2">
+            <a:schemeClr val="accent1">
+              <a:shade val="50000"/>
+            </a:schemeClr>
+          </a:lnRef>
+          <a:fillRef idx="1">
+            <a:schemeClr val="accent1"/>
+          </a:fillRef>
+          <a:effectRef idx="0">
+            <a:schemeClr val="accent1"/>
+          </a:effectRef>
+          <a:fontRef idx="minor">
+            <a:schemeClr val="lt1"/>
+          </a:fontRef>
+        </p:style>
+        <p:txBody>
+          <a:bodyPr rtlCol="0" anchor="t"/>
+          <a:lstStyle/>
+          <a:p>
+            <a:pPr algn="ctr"/>
+            <a:r>
+              <a:rPr lang="da-DK" sz="4400" smtClean="0"/>
+              <a:t>Dog</a:t>
+            </a:r>
+            <a:endParaRPr lang="da-DK" sz="4400"/>
+          </a:p>
+        </p:txBody>
+      </p:sp>
+      <p:sp>
+        <p:nvSpPr>
           <p:cNvPr id="5" name="Afrundet rektangel 4"/>
           <p:cNvSpPr/>
           <p:nvPr/>
         </p:nvSpPr>
         <p:spPr>
           <a:xfrm>
-            <a:off x="1918033" y="2568743"/>
+            <a:off x="7311940" y="5066299"/>
             <a:ext cx="1540043" cy="784057"/>
           </a:xfrm>
           <a:prstGeom prst="roundRect">
@@ -16463,13 +15964,141 @@
       </p:sp>
       <p:sp>
         <p:nvSpPr>
+          <p:cNvPr id="6" name="Afrundet rektangel 5"/>
+          <p:cNvSpPr/>
+          <p:nvPr/>
+        </p:nvSpPr>
+        <p:spPr>
+          <a:xfrm>
+            <a:off x="4647698" y="1159045"/>
+            <a:ext cx="3429502" cy="1014663"/>
+          </a:xfrm>
+          <a:prstGeom prst="roundRect">
+            <a:avLst/>
+          </a:prstGeom>
+          <a:solidFill>
+            <a:schemeClr val="accent4">
+              <a:lumMod val="75000"/>
+            </a:schemeClr>
+          </a:solidFill>
+        </p:spPr>
+        <p:style>
+          <a:lnRef idx="2">
+            <a:schemeClr val="accent1">
+              <a:shade val="50000"/>
+            </a:schemeClr>
+          </a:lnRef>
+          <a:fillRef idx="1">
+            <a:schemeClr val="accent1"/>
+          </a:fillRef>
+          <a:effectRef idx="0">
+            <a:schemeClr val="accent1"/>
+          </a:effectRef>
+          <a:fontRef idx="minor">
+            <a:schemeClr val="lt1"/>
+          </a:fontRef>
+        </p:style>
+        <p:txBody>
+          <a:bodyPr rtlCol="0" anchor="t"/>
+          <a:lstStyle/>
+          <a:p>
+            <a:pPr algn="ctr"/>
+            <a:r>
+              <a:rPr lang="da-DK" sz="3200" smtClean="0"/>
+              <a:t>IComparer&lt;Dog&gt;</a:t>
+            </a:r>
+            <a:endParaRPr lang="da-DK" sz="3200"/>
+          </a:p>
+        </p:txBody>
+      </p:sp>
+      <p:cxnSp>
+        <p:nvCxnSpPr>
+          <p:cNvPr id="8" name="Lige pilforbindelse 7"/>
+          <p:cNvCxnSpPr>
+            <a:stCxn id="9" idx="0"/>
+            <a:endCxn id="6" idx="2"/>
+          </p:cNvCxnSpPr>
+          <p:nvPr/>
+        </p:nvCxnSpPr>
+        <p:spPr>
+          <a:xfrm flipV="1">
+            <a:off x="2459204" y="2173708"/>
+            <a:ext cx="3903245" cy="1940591"/>
+          </a:xfrm>
+          <a:prstGeom prst="straightConnector1">
+            <a:avLst/>
+          </a:prstGeom>
+          <a:ln w="76200">
+            <a:solidFill>
+              <a:schemeClr val="tx1"/>
+            </a:solidFill>
+            <a:tailEnd type="triangle"/>
+          </a:ln>
+        </p:spPr>
+        <p:style>
+          <a:lnRef idx="1">
+            <a:schemeClr val="accent1"/>
+          </a:lnRef>
+          <a:fillRef idx="0">
+            <a:schemeClr val="accent1"/>
+          </a:fillRef>
+          <a:effectRef idx="0">
+            <a:schemeClr val="accent1"/>
+          </a:effectRef>
+          <a:fontRef idx="minor">
+            <a:schemeClr val="tx1"/>
+          </a:fontRef>
+        </p:style>
+      </p:cxnSp>
+      <p:cxnSp>
+        <p:nvCxnSpPr>
+          <p:cNvPr id="11" name="Lige pilforbindelse 10"/>
+          <p:cNvCxnSpPr>
+            <a:stCxn id="5" idx="0"/>
+            <a:endCxn id="6" idx="2"/>
+          </p:cNvCxnSpPr>
+          <p:nvPr/>
+        </p:nvCxnSpPr>
+        <p:spPr>
+          <a:xfrm flipH="1" flipV="1">
+            <a:off x="6362449" y="2173708"/>
+            <a:ext cx="1719513" cy="2892591"/>
+          </a:xfrm>
+          <a:prstGeom prst="straightConnector1">
+            <a:avLst/>
+          </a:prstGeom>
+          <a:ln w="76200">
+            <a:solidFill>
+              <a:schemeClr val="tx1"/>
+            </a:solidFill>
+            <a:prstDash val="sysDot"/>
+            <a:tailEnd type="triangle"/>
+          </a:ln>
+        </p:spPr>
+        <p:style>
+          <a:lnRef idx="1">
+            <a:schemeClr val="accent1"/>
+          </a:lnRef>
+          <a:fillRef idx="0">
+            <a:schemeClr val="accent1"/>
+          </a:fillRef>
+          <a:effectRef idx="0">
+            <a:schemeClr val="accent1"/>
+          </a:effectRef>
+          <a:fontRef idx="minor">
+            <a:schemeClr val="tx1"/>
+          </a:fontRef>
+        </p:style>
+      </p:cxnSp>
+      <p:sp>
+        <p:nvSpPr>
           <p:cNvPr id="9" name="Afrundet rektangel 8"/>
           <p:cNvSpPr/>
           <p:nvPr/>
         </p:nvSpPr>
         <p:spPr>
           <a:xfrm>
-            <a:off x="6903118" y="1524000"/>
+            <a:off x="834941" y="4114299"/>
             <a:ext cx="3248526" cy="1660358"/>
           </a:xfrm>
           <a:prstGeom prst="roundRect">
@@ -16517,163 +16146,19 @@
           </a:p>
         </p:txBody>
       </p:sp>
-      <p:sp>
-        <p:nvSpPr>
-          <p:cNvPr id="10" name="Afrundet rektangel 9"/>
-          <p:cNvSpPr/>
-          <p:nvPr/>
-        </p:nvSpPr>
-        <p:spPr>
-          <a:xfrm>
-            <a:off x="1562099" y="4600575"/>
-            <a:ext cx="7991475" cy="1755608"/>
-          </a:xfrm>
-          <a:prstGeom prst="roundRect">
-            <a:avLst/>
-          </a:prstGeom>
-          <a:solidFill>
-            <a:schemeClr val="accent5">
-              <a:lumMod val="75000"/>
-            </a:schemeClr>
-          </a:solidFill>
-        </p:spPr>
-        <p:style>
-          <a:lnRef idx="2">
-            <a:schemeClr val="accent1">
-              <a:shade val="50000"/>
-            </a:schemeClr>
-          </a:lnRef>
-          <a:fillRef idx="1">
-            <a:schemeClr val="accent1"/>
-          </a:fillRef>
-          <a:effectRef idx="0">
-            <a:schemeClr val="accent1"/>
-          </a:effectRef>
-          <a:fontRef idx="minor">
-            <a:schemeClr val="lt1"/>
-          </a:fontRef>
-        </p:style>
-        <p:txBody>
-          <a:bodyPr rtlCol="0" anchor="t"/>
-          <a:lstStyle/>
-          <a:p>
-            <a:pPr algn="ctr"/>
-            <a:r>
-              <a:rPr lang="da-DK" sz="4400" smtClean="0"/>
-              <a:t>Client</a:t>
-            </a:r>
-          </a:p>
-          <a:p>
-            <a:pPr algn="ctr"/>
-            <a:r>
-              <a:rPr lang="da-DK" sz="2800" smtClean="0"/>
-              <a:t>dogs.Sort(new CompareDogByWeight());</a:t>
-            </a:r>
-            <a:endParaRPr lang="da-DK" sz="2800"/>
-          </a:p>
-        </p:txBody>
-      </p:sp>
-      <p:sp>
-        <p:nvSpPr>
-          <p:cNvPr id="12" name="Afrundet rektangel 11"/>
-          <p:cNvSpPr/>
-          <p:nvPr/>
-        </p:nvSpPr>
-        <p:spPr>
-          <a:xfrm>
-            <a:off x="6600825" y="308561"/>
-            <a:ext cx="3838575" cy="720140"/>
-          </a:xfrm>
-          <a:prstGeom prst="roundRect">
-            <a:avLst/>
-          </a:prstGeom>
-          <a:solidFill>
-            <a:schemeClr val="accent4">
-              <a:lumMod val="75000"/>
-            </a:schemeClr>
-          </a:solidFill>
-        </p:spPr>
-        <p:style>
-          <a:lnRef idx="2">
-            <a:schemeClr val="accent1">
-              <a:shade val="50000"/>
-            </a:schemeClr>
-          </a:lnRef>
-          <a:fillRef idx="1">
-            <a:schemeClr val="accent1"/>
-          </a:fillRef>
-          <a:effectRef idx="0">
-            <a:schemeClr val="accent1"/>
-          </a:effectRef>
-          <a:fontRef idx="minor">
-            <a:schemeClr val="lt1"/>
-          </a:fontRef>
-        </p:style>
-        <p:txBody>
-          <a:bodyPr rtlCol="0" anchor="t"/>
-          <a:lstStyle/>
-          <a:p>
-            <a:pPr algn="ctr"/>
-            <a:r>
-              <a:rPr lang="da-DK" sz="3200" smtClean="0"/>
-              <a:t>IComparer&lt;Dog&gt;</a:t>
-            </a:r>
-            <a:endParaRPr lang="da-DK" sz="3200"/>
-          </a:p>
-        </p:txBody>
-      </p:sp>
       <p:cxnSp>
         <p:nvCxnSpPr>
           <p:cNvPr id="14" name="Lige pilforbindelse 13"/>
           <p:cNvCxnSpPr>
             <a:stCxn id="9" idx="0"/>
-            <a:endCxn id="12" idx="2"/>
-          </p:cNvCxnSpPr>
-          <p:nvPr/>
-        </p:nvCxnSpPr>
-        <p:spPr>
-          <a:xfrm flipH="1" flipV="1">
-            <a:off x="8520113" y="1028701"/>
-            <a:ext cx="7268" cy="495299"/>
-          </a:xfrm>
-          <a:prstGeom prst="straightConnector1">
-            <a:avLst/>
-          </a:prstGeom>
-          <a:ln w="76200">
-            <a:solidFill>
-              <a:schemeClr val="tx1"/>
-            </a:solidFill>
-            <a:tailEnd type="triangle"/>
-          </a:ln>
-        </p:spPr>
-        <p:style>
-          <a:lnRef idx="1">
-            <a:schemeClr val="accent1"/>
-          </a:lnRef>
-          <a:fillRef idx="0">
-            <a:schemeClr val="accent1"/>
-          </a:fillRef>
-          <a:effectRef idx="0">
-            <a:schemeClr val="accent1"/>
-          </a:effectRef>
-          <a:fontRef idx="minor">
-            <a:schemeClr val="tx1"/>
-          </a:fontRef>
-        </p:style>
-      </p:cxnSp>
-      <p:cxnSp>
-        <p:nvCxnSpPr>
-          <p:cNvPr id="18" name="Lige pilforbindelse 17"/>
-          <p:cNvCxnSpPr>
-            <a:stCxn id="10" idx="0"/>
-            <a:endCxn id="9" idx="2"/>
+            <a:endCxn id="4" idx="2"/>
           </p:cNvCxnSpPr>
           <p:nvPr/>
         </p:nvCxnSpPr>
         <p:spPr>
           <a:xfrm flipV="1">
-            <a:off x="5557837" y="3184358"/>
-            <a:ext cx="2969544" cy="1416217"/>
+            <a:off x="2459204" y="2829678"/>
+            <a:ext cx="30080" cy="1284621"/>
           </a:xfrm>
           <a:prstGeom prst="straightConnector1">
             <a:avLst/>
@@ -16701,91 +16186,10 @@
           </a:fontRef>
         </p:style>
       </p:cxnSp>
-      <p:cxnSp>
-        <p:nvCxnSpPr>
-          <p:cNvPr id="21" name="Lige pilforbindelse 20"/>
-          <p:cNvCxnSpPr>
-            <a:stCxn id="10" idx="0"/>
-            <a:endCxn id="7" idx="2"/>
-          </p:cNvCxnSpPr>
-          <p:nvPr/>
-        </p:nvCxnSpPr>
-        <p:spPr>
-          <a:xfrm flipH="1" flipV="1">
-            <a:off x="2688055" y="3520740"/>
-            <a:ext cx="2869782" cy="1079835"/>
-          </a:xfrm>
-          <a:prstGeom prst="straightConnector1">
-            <a:avLst/>
-          </a:prstGeom>
-          <a:ln w="76200">
-            <a:solidFill>
-              <a:schemeClr val="tx1"/>
-            </a:solidFill>
-            <a:prstDash val="sysDot"/>
-            <a:tailEnd type="triangle"/>
-          </a:ln>
-        </p:spPr>
-        <p:style>
-          <a:lnRef idx="1">
-            <a:schemeClr val="accent1"/>
-          </a:lnRef>
-          <a:fillRef idx="0">
-            <a:schemeClr val="accent1"/>
-          </a:fillRef>
-          <a:effectRef idx="0">
-            <a:schemeClr val="accent1"/>
-          </a:effectRef>
-          <a:fontRef idx="minor">
-            <a:schemeClr val="tx1"/>
-          </a:fontRef>
-        </p:style>
-      </p:cxnSp>
-      <p:pic>
-        <p:nvPicPr>
-          <p:cNvPr id="11" name="Picture 2" descr="Billedresultat for tick icon"/>
-          <p:cNvPicPr>
-            <a:picLocks noChangeAspect="1" noChangeArrowheads="1"/>
-          </p:cNvPicPr>
-          <p:nvPr/>
-        </p:nvPicPr>
-        <p:blipFill>
-          <a:blip r:embed="rId2" cstate="print">
-            <a:extLst>
-              <a:ext uri="{28A0092B-C50C-407E-A947-70E740481C1C}">
-                <a14:useLocalDpi xmlns:a14="http://schemas.microsoft.com/office/drawing/2010/main" val="0"/>
-              </a:ext>
-            </a:extLst>
-          </a:blip>
-          <a:srcRect/>
-          <a:stretch>
-            <a:fillRect/>
-          </a:stretch>
-        </p:blipFill>
-        <p:spPr bwMode="auto">
-          <a:xfrm>
-            <a:off x="10151644" y="4038379"/>
-            <a:ext cx="1440000" cy="1440000"/>
-          </a:xfrm>
-          <a:prstGeom prst="rect">
-            <a:avLst/>
-          </a:prstGeom>
-          <a:noFill/>
-          <a:extLst>
-            <a:ext uri="{909E8E84-426E-40DD-AFC4-6F175D3DCCD1}">
-              <a14:hiddenFill xmlns:a14="http://schemas.microsoft.com/office/drawing/2010/main">
-                <a:solidFill>
-                  <a:srgbClr val="FFFFFF"/>
-                </a:solidFill>
-              </a14:hiddenFill>
-            </a:ext>
-          </a:extLst>
-        </p:spPr>
-      </p:pic>
     </p:spTree>
     <p:extLst>
       <p:ext uri="{BB962C8B-B14F-4D97-AF65-F5344CB8AC3E}">
-        <p14:creationId xmlns:p14="http://schemas.microsoft.com/office/powerpoint/2010/main" val="2471612758"/>
+        <p14:creationId xmlns:p14="http://schemas.microsoft.com/office/powerpoint/2010/main" val="3583475640"/>
       </p:ext>
     </p:extLst>
   </p:cSld>
@@ -16795,83 +16199,7 @@
   <p:timing>
     <p:tnLst>
       <p:par>
-        <p:cTn id="1" dur="indefinite" restart="never" nodeType="tmRoot">
-          <p:childTnLst>
-            <p:seq concurrent="1" nextAc="seek">
-              <p:cTn id="2" dur="indefinite" nodeType="mainSeq">
-                <p:childTnLst>
-                  <p:par>
-                    <p:cTn id="3" fill="hold">
-                      <p:stCondLst>
-                        <p:cond delay="indefinite"/>
-                      </p:stCondLst>
-                      <p:childTnLst>
-                        <p:par>
-                          <p:cTn id="4" fill="hold">
-                            <p:stCondLst>
-                              <p:cond delay="0"/>
-                            </p:stCondLst>
-                            <p:childTnLst>
-                              <p:par>
-                                <p:cTn id="5" presetID="10" presetClass="entr" presetSubtype="0" fill="hold" nodeType="clickEffect">
-                                  <p:stCondLst>
-                                    <p:cond delay="0"/>
-                                  </p:stCondLst>
-                                  <p:childTnLst>
-                                    <p:set>
-                                      <p:cBhvr>
-                                        <p:cTn id="6" dur="1" fill="hold">
-                                          <p:stCondLst>
-                                            <p:cond delay="0"/>
-                                          </p:stCondLst>
-                                        </p:cTn>
-                                        <p:tgtEl>
-                                          <p:spTgt spid="11"/>
-                                        </p:tgtEl>
-                                        <p:attrNameLst>
-                                          <p:attrName>style.visibility</p:attrName>
-                                        </p:attrNameLst>
-                                      </p:cBhvr>
-                                      <p:to>
-                                        <p:strVal val="visible"/>
-                                      </p:to>
-                                    </p:set>
-                                    <p:animEffect transition="in" filter="fade">
-                                      <p:cBhvr>
-                                        <p:cTn id="7" dur="500"/>
-                                        <p:tgtEl>
-                                          <p:spTgt spid="11"/>
-                                        </p:tgtEl>
-                                      </p:cBhvr>
-                                    </p:animEffect>
-                                  </p:childTnLst>
-                                </p:cTn>
-                              </p:par>
-                            </p:childTnLst>
-                          </p:cTn>
-                        </p:par>
-                      </p:childTnLst>
-                    </p:cTn>
-                  </p:par>
-                </p:childTnLst>
-              </p:cTn>
-              <p:prevCondLst>
-                <p:cond evt="onPrev" delay="0">
-                  <p:tgtEl>
-                    <p:sldTgt/>
-                  </p:tgtEl>
-                </p:cond>
-              </p:prevCondLst>
-              <p:nextCondLst>
-                <p:cond evt="onNext" delay="0">
-                  <p:tgtEl>
-                    <p:sldTgt/>
-                  </p:tgtEl>
-                </p:cond>
-              </p:nextCondLst>
-            </p:seq>
-          </p:childTnLst>
-        </p:cTn>
+        <p:cTn id="1" dur="indefinite" restart="never" nodeType="tmRoot"/>
       </p:par>
     </p:tnLst>
   </p:timing>
@@ -17125,6 +16453,876 @@
       </p:transition>
     </mc:Fallback>
   </mc:AlternateContent>
+  <p:timing>
+    <p:tnLst>
+      <p:par>
+        <p:cTn id="1" dur="indefinite" restart="never" nodeType="tmRoot"/>
+      </p:par>
+    </p:tnLst>
+  </p:timing>
+</p:sld>
+</file>
+
+<file path=ppt/slides/slide40.xml><?xml version="1.0" encoding="utf-8"?>
+<p:sld xmlns:a="http://schemas.openxmlformats.org/drawingml/2006/main" xmlns:r="http://schemas.openxmlformats.org/officeDocument/2006/relationships" xmlns:p="http://schemas.openxmlformats.org/presentationml/2006/main">
+  <p:cSld>
+    <p:spTree>
+      <p:nvGrpSpPr>
+        <p:cNvPr id="1" name=""/>
+        <p:cNvGrpSpPr/>
+        <p:nvPr/>
+      </p:nvGrpSpPr>
+      <p:grpSpPr>
+        <a:xfrm>
+          <a:off x="0" y="0"/>
+          <a:ext cx="0" cy="0"/>
+          <a:chOff x="0" y="0"/>
+          <a:chExt cx="0" cy="0"/>
+        </a:xfrm>
+      </p:grpSpPr>
+      <p:sp>
+        <p:nvSpPr>
+          <p:cNvPr id="2" name="Titel 1"/>
+          <p:cNvSpPr>
+            <a:spLocks noGrp="1"/>
+          </p:cNvSpPr>
+          <p:nvPr>
+            <p:ph type="title"/>
+          </p:nvPr>
+        </p:nvSpPr>
+        <p:spPr/>
+        <p:txBody>
+          <a:bodyPr/>
+          <a:lstStyle/>
+          <a:p>
+            <a:r>
+              <a:rPr lang="da-DK"/>
+              <a:t>R</a:t>
+            </a:r>
+            <a:r>
+              <a:rPr lang="da-DK" smtClean="0"/>
+              <a:t>esponsibilities</a:t>
+            </a:r>
+            <a:endParaRPr lang="da-DK"/>
+          </a:p>
+        </p:txBody>
+      </p:sp>
+      <p:sp>
+        <p:nvSpPr>
+          <p:cNvPr id="3" name="Pladsholder til indhold 2"/>
+          <p:cNvSpPr>
+            <a:spLocks noGrp="1"/>
+          </p:cNvSpPr>
+          <p:nvPr>
+            <p:ph idx="1"/>
+          </p:nvPr>
+        </p:nvSpPr>
+        <p:spPr>
+          <a:xfrm>
+            <a:off x="838200" y="1636295"/>
+            <a:ext cx="10515600" cy="4540668"/>
+          </a:xfrm>
+        </p:spPr>
+        <p:txBody>
+          <a:bodyPr/>
+          <a:lstStyle/>
+          <a:p>
+            <a:r>
+              <a:rPr lang="da-DK" b="1" smtClean="0"/>
+              <a:t>Dog</a:t>
+            </a:r>
+            <a:r>
+              <a:rPr lang="da-DK" smtClean="0"/>
+              <a:t> </a:t>
+            </a:r>
+          </a:p>
+          <a:p>
+            <a:pPr lvl="1"/>
+            <a:r>
+              <a:rPr lang="da-DK" smtClean="0"/>
+              <a:t>No dependencies to other classes</a:t>
+            </a:r>
+          </a:p>
+          <a:p>
+            <a:pPr lvl="1"/>
+            <a:r>
+              <a:rPr lang="da-DK" smtClean="0"/>
+              <a:t>No knowledge of sorting or comparison</a:t>
+            </a:r>
+          </a:p>
+          <a:p>
+            <a:pPr lvl="1"/>
+            <a:r>
+              <a:rPr lang="da-DK" b="1" smtClean="0">
+                <a:solidFill>
+                  <a:schemeClr val="accent6">
+                    <a:lumMod val="75000"/>
+                  </a:schemeClr>
+                </a:solidFill>
+              </a:rPr>
+              <a:t>Contains Dog domain logic (state/behavior)</a:t>
+            </a:r>
+          </a:p>
+          <a:p>
+            <a:r>
+              <a:rPr lang="da-DK" b="1" smtClean="0"/>
+              <a:t>List&lt;Dog&gt;</a:t>
+            </a:r>
+            <a:endParaRPr lang="da-DK"/>
+          </a:p>
+          <a:p>
+            <a:pPr lvl="1"/>
+            <a:r>
+              <a:rPr lang="da-DK" b="1" smtClean="0">
+                <a:solidFill>
+                  <a:schemeClr val="accent6">
+                    <a:lumMod val="75000"/>
+                  </a:schemeClr>
+                </a:solidFill>
+              </a:rPr>
+              <a:t>Knows how to sort items efficiently</a:t>
+            </a:r>
+            <a:endParaRPr lang="da-DK" b="1">
+              <a:solidFill>
+                <a:schemeClr val="accent6">
+                  <a:lumMod val="75000"/>
+                </a:schemeClr>
+              </a:solidFill>
+            </a:endParaRPr>
+          </a:p>
+          <a:p>
+            <a:pPr lvl="1"/>
+            <a:r>
+              <a:rPr lang="da-DK" smtClean="0"/>
+              <a:t>Does not know how to compare </a:t>
+            </a:r>
+            <a:r>
+              <a:rPr lang="da-DK" b="1" smtClean="0"/>
+              <a:t>Dog</a:t>
+            </a:r>
+            <a:r>
+              <a:rPr lang="da-DK"/>
+              <a:t> </a:t>
+            </a:r>
+            <a:r>
+              <a:rPr lang="da-DK" smtClean="0"/>
+              <a:t>objects</a:t>
+            </a:r>
+          </a:p>
+          <a:p>
+            <a:r>
+              <a:rPr lang="da-DK" b="1" smtClean="0"/>
+              <a:t>CompareDogByWeight </a:t>
+            </a:r>
+            <a:r>
+              <a:rPr lang="da-DK" smtClean="0"/>
+              <a:t>(+ all impl. of </a:t>
+            </a:r>
+            <a:r>
+              <a:rPr lang="da-DK" b="1" smtClean="0"/>
+              <a:t>IComparer&lt;Dog&gt;</a:t>
+            </a:r>
+            <a:r>
+              <a:rPr lang="da-DK" smtClean="0"/>
+              <a:t>)</a:t>
+            </a:r>
+          </a:p>
+          <a:p>
+            <a:pPr lvl="1"/>
+            <a:r>
+              <a:rPr lang="da-DK" smtClean="0"/>
+              <a:t>Does not know how to sort objects</a:t>
+            </a:r>
+          </a:p>
+          <a:p>
+            <a:pPr lvl="1"/>
+            <a:r>
+              <a:rPr lang="da-DK" b="1" smtClean="0">
+                <a:solidFill>
+                  <a:schemeClr val="accent6">
+                    <a:lumMod val="75000"/>
+                  </a:schemeClr>
+                </a:solidFill>
+              </a:rPr>
+              <a:t>Knows how to compare Dog objects</a:t>
+            </a:r>
+            <a:endParaRPr lang="da-DK" b="1">
+              <a:solidFill>
+                <a:schemeClr val="accent6">
+                  <a:lumMod val="75000"/>
+                </a:schemeClr>
+              </a:solidFill>
+            </a:endParaRPr>
+          </a:p>
+          <a:p>
+            <a:endParaRPr lang="da-DK"/>
+          </a:p>
+        </p:txBody>
+      </p:sp>
+    </p:spTree>
+    <p:extLst>
+      <p:ext uri="{BB962C8B-B14F-4D97-AF65-F5344CB8AC3E}">
+        <p14:creationId xmlns:p14="http://schemas.microsoft.com/office/powerpoint/2010/main" val="3802076480"/>
+      </p:ext>
+    </p:extLst>
+  </p:cSld>
+  <p:clrMapOvr>
+    <a:masterClrMapping/>
+  </p:clrMapOvr>
+  <p:timing>
+    <p:tnLst>
+      <p:par>
+        <p:cTn id="1" dur="indefinite" restart="never" nodeType="tmRoot"/>
+      </p:par>
+    </p:tnLst>
+  </p:timing>
+</p:sld>
+</file>
+
+<file path=ppt/slides/slide41.xml><?xml version="1.0" encoding="utf-8"?>
+<p:sld xmlns:a="http://schemas.openxmlformats.org/drawingml/2006/main" xmlns:r="http://schemas.openxmlformats.org/officeDocument/2006/relationships" xmlns:p="http://schemas.openxmlformats.org/presentationml/2006/main">
+  <p:cSld>
+    <p:spTree>
+      <p:nvGrpSpPr>
+        <p:cNvPr id="1" name=""/>
+        <p:cNvGrpSpPr/>
+        <p:nvPr/>
+      </p:nvGrpSpPr>
+      <p:grpSpPr>
+        <a:xfrm>
+          <a:off x="0" y="0"/>
+          <a:ext cx="0" cy="0"/>
+          <a:chOff x="0" y="0"/>
+          <a:chExt cx="0" cy="0"/>
+        </a:xfrm>
+      </p:grpSpPr>
+      <p:sp>
+        <p:nvSpPr>
+          <p:cNvPr id="13" name="Afrundet rektangel 12"/>
+          <p:cNvSpPr/>
+          <p:nvPr/>
+        </p:nvSpPr>
+        <p:spPr>
+          <a:xfrm>
+            <a:off x="7356309" y="1828800"/>
+            <a:ext cx="3248526" cy="1660358"/>
+          </a:xfrm>
+          <a:prstGeom prst="roundRect">
+            <a:avLst/>
+          </a:prstGeom>
+          <a:solidFill>
+            <a:schemeClr val="bg2">
+              <a:lumMod val="75000"/>
+            </a:schemeClr>
+          </a:solidFill>
+        </p:spPr>
+        <p:style>
+          <a:lnRef idx="2">
+            <a:schemeClr val="accent1">
+              <a:shade val="50000"/>
+            </a:schemeClr>
+          </a:lnRef>
+          <a:fillRef idx="1">
+            <a:schemeClr val="accent1"/>
+          </a:fillRef>
+          <a:effectRef idx="0">
+            <a:schemeClr val="accent1"/>
+          </a:effectRef>
+          <a:fontRef idx="minor">
+            <a:schemeClr val="lt1"/>
+          </a:fontRef>
+        </p:style>
+        <p:txBody>
+          <a:bodyPr rtlCol="0" anchor="t"/>
+          <a:lstStyle/>
+          <a:p>
+            <a:pPr algn="ctr"/>
+            <a:r>
+              <a:rPr lang="da-DK" sz="3200" smtClean="0"/>
+              <a:t>CompareDog</a:t>
+            </a:r>
+          </a:p>
+          <a:p>
+            <a:pPr algn="ctr"/>
+            <a:r>
+              <a:rPr lang="da-DK" sz="3200" smtClean="0"/>
+              <a:t>ByWeight</a:t>
+            </a:r>
+            <a:endParaRPr lang="da-DK" sz="3200"/>
+          </a:p>
+        </p:txBody>
+      </p:sp>
+      <p:sp>
+        <p:nvSpPr>
+          <p:cNvPr id="7" name="Afrundet rektangel 6"/>
+          <p:cNvSpPr/>
+          <p:nvPr/>
+        </p:nvSpPr>
+        <p:spPr>
+          <a:xfrm>
+            <a:off x="1063792" y="1524000"/>
+            <a:ext cx="3248526" cy="1996740"/>
+          </a:xfrm>
+          <a:prstGeom prst="roundRect">
+            <a:avLst/>
+          </a:prstGeom>
+          <a:solidFill>
+            <a:schemeClr val="accent6">
+              <a:lumMod val="75000"/>
+            </a:schemeClr>
+          </a:solidFill>
+        </p:spPr>
+        <p:style>
+          <a:lnRef idx="2">
+            <a:schemeClr val="accent1">
+              <a:shade val="50000"/>
+            </a:schemeClr>
+          </a:lnRef>
+          <a:fillRef idx="1">
+            <a:schemeClr val="accent1"/>
+          </a:fillRef>
+          <a:effectRef idx="0">
+            <a:schemeClr val="accent1"/>
+          </a:effectRef>
+          <a:fontRef idx="minor">
+            <a:schemeClr val="lt1"/>
+          </a:fontRef>
+        </p:style>
+        <p:txBody>
+          <a:bodyPr rtlCol="0" anchor="t"/>
+          <a:lstStyle/>
+          <a:p>
+            <a:pPr algn="ctr"/>
+            <a:r>
+              <a:rPr lang="da-DK" sz="4400" smtClean="0"/>
+              <a:t>List&lt;Dog&gt;</a:t>
+            </a:r>
+            <a:endParaRPr lang="da-DK" sz="4400"/>
+          </a:p>
+        </p:txBody>
+      </p:sp>
+      <p:sp>
+        <p:nvSpPr>
+          <p:cNvPr id="5" name="Afrundet rektangel 4"/>
+          <p:cNvSpPr/>
+          <p:nvPr/>
+        </p:nvSpPr>
+        <p:spPr>
+          <a:xfrm>
+            <a:off x="1918033" y="2568743"/>
+            <a:ext cx="1540043" cy="784057"/>
+          </a:xfrm>
+          <a:prstGeom prst="roundRect">
+            <a:avLst/>
+          </a:prstGeom>
+          <a:solidFill>
+            <a:srgbClr val="C00000"/>
+          </a:solidFill>
+        </p:spPr>
+        <p:style>
+          <a:lnRef idx="2">
+            <a:schemeClr val="accent1">
+              <a:shade val="50000"/>
+            </a:schemeClr>
+          </a:lnRef>
+          <a:fillRef idx="1">
+            <a:schemeClr val="accent1"/>
+          </a:fillRef>
+          <a:effectRef idx="0">
+            <a:schemeClr val="accent1"/>
+          </a:effectRef>
+          <a:fontRef idx="minor">
+            <a:schemeClr val="lt1"/>
+          </a:fontRef>
+        </p:style>
+        <p:txBody>
+          <a:bodyPr rtlCol="0" anchor="t"/>
+          <a:lstStyle/>
+          <a:p>
+            <a:pPr algn="ctr"/>
+            <a:r>
+              <a:rPr lang="da-DK" sz="3200" smtClean="0"/>
+              <a:t>Sort</a:t>
+            </a:r>
+          </a:p>
+        </p:txBody>
+      </p:sp>
+      <p:sp>
+        <p:nvSpPr>
+          <p:cNvPr id="9" name="Afrundet rektangel 8"/>
+          <p:cNvSpPr/>
+          <p:nvPr/>
+        </p:nvSpPr>
+        <p:spPr>
+          <a:xfrm>
+            <a:off x="6903118" y="1524000"/>
+            <a:ext cx="3248526" cy="1660358"/>
+          </a:xfrm>
+          <a:prstGeom prst="roundRect">
+            <a:avLst/>
+          </a:prstGeom>
+          <a:solidFill>
+            <a:schemeClr val="bg2">
+              <a:lumMod val="50000"/>
+            </a:schemeClr>
+          </a:solidFill>
+        </p:spPr>
+        <p:style>
+          <a:lnRef idx="2">
+            <a:schemeClr val="accent1">
+              <a:shade val="50000"/>
+            </a:schemeClr>
+          </a:lnRef>
+          <a:fillRef idx="1">
+            <a:schemeClr val="accent1"/>
+          </a:fillRef>
+          <a:effectRef idx="0">
+            <a:schemeClr val="accent1"/>
+          </a:effectRef>
+          <a:fontRef idx="minor">
+            <a:schemeClr val="lt1"/>
+          </a:fontRef>
+        </p:style>
+        <p:txBody>
+          <a:bodyPr rtlCol="0" anchor="t"/>
+          <a:lstStyle/>
+          <a:p>
+            <a:pPr algn="ctr"/>
+            <a:r>
+              <a:rPr lang="da-DK" sz="3200" smtClean="0"/>
+              <a:t>CompareDog</a:t>
+            </a:r>
+          </a:p>
+          <a:p>
+            <a:pPr algn="ctr"/>
+            <a:r>
+              <a:rPr lang="da-DK" sz="3200" smtClean="0"/>
+              <a:t>ByWeight</a:t>
+            </a:r>
+            <a:endParaRPr lang="da-DK" sz="3200"/>
+          </a:p>
+        </p:txBody>
+      </p:sp>
+      <p:sp>
+        <p:nvSpPr>
+          <p:cNvPr id="10" name="Afrundet rektangel 9"/>
+          <p:cNvSpPr/>
+          <p:nvPr/>
+        </p:nvSpPr>
+        <p:spPr>
+          <a:xfrm>
+            <a:off x="1562099" y="4600575"/>
+            <a:ext cx="7991475" cy="1755608"/>
+          </a:xfrm>
+          <a:prstGeom prst="roundRect">
+            <a:avLst/>
+          </a:prstGeom>
+          <a:solidFill>
+            <a:schemeClr val="accent5">
+              <a:lumMod val="75000"/>
+            </a:schemeClr>
+          </a:solidFill>
+        </p:spPr>
+        <p:style>
+          <a:lnRef idx="2">
+            <a:schemeClr val="accent1">
+              <a:shade val="50000"/>
+            </a:schemeClr>
+          </a:lnRef>
+          <a:fillRef idx="1">
+            <a:schemeClr val="accent1"/>
+          </a:fillRef>
+          <a:effectRef idx="0">
+            <a:schemeClr val="accent1"/>
+          </a:effectRef>
+          <a:fontRef idx="minor">
+            <a:schemeClr val="lt1"/>
+          </a:fontRef>
+        </p:style>
+        <p:txBody>
+          <a:bodyPr rtlCol="0" anchor="t"/>
+          <a:lstStyle/>
+          <a:p>
+            <a:pPr algn="ctr"/>
+            <a:r>
+              <a:rPr lang="da-DK" sz="4400" smtClean="0"/>
+              <a:t>Client</a:t>
+            </a:r>
+          </a:p>
+          <a:p>
+            <a:pPr algn="ctr"/>
+            <a:r>
+              <a:rPr lang="da-DK" sz="2800" smtClean="0"/>
+              <a:t>dogs.Sort(new CompareDogByWeight());</a:t>
+            </a:r>
+            <a:endParaRPr lang="da-DK" sz="2800"/>
+          </a:p>
+        </p:txBody>
+      </p:sp>
+      <p:sp>
+        <p:nvSpPr>
+          <p:cNvPr id="12" name="Afrundet rektangel 11"/>
+          <p:cNvSpPr/>
+          <p:nvPr/>
+        </p:nvSpPr>
+        <p:spPr>
+          <a:xfrm>
+            <a:off x="6600825" y="308561"/>
+            <a:ext cx="3838575" cy="720140"/>
+          </a:xfrm>
+          <a:prstGeom prst="roundRect">
+            <a:avLst/>
+          </a:prstGeom>
+          <a:solidFill>
+            <a:schemeClr val="accent4">
+              <a:lumMod val="75000"/>
+            </a:schemeClr>
+          </a:solidFill>
+        </p:spPr>
+        <p:style>
+          <a:lnRef idx="2">
+            <a:schemeClr val="accent1">
+              <a:shade val="50000"/>
+            </a:schemeClr>
+          </a:lnRef>
+          <a:fillRef idx="1">
+            <a:schemeClr val="accent1"/>
+          </a:fillRef>
+          <a:effectRef idx="0">
+            <a:schemeClr val="accent1"/>
+          </a:effectRef>
+          <a:fontRef idx="minor">
+            <a:schemeClr val="lt1"/>
+          </a:fontRef>
+        </p:style>
+        <p:txBody>
+          <a:bodyPr rtlCol="0" anchor="t"/>
+          <a:lstStyle/>
+          <a:p>
+            <a:pPr algn="ctr"/>
+            <a:r>
+              <a:rPr lang="da-DK" sz="3200" smtClean="0"/>
+              <a:t>IComparer&lt;Dog&gt;</a:t>
+            </a:r>
+            <a:endParaRPr lang="da-DK" sz="3200"/>
+          </a:p>
+        </p:txBody>
+      </p:sp>
+      <p:cxnSp>
+        <p:nvCxnSpPr>
+          <p:cNvPr id="14" name="Lige pilforbindelse 13"/>
+          <p:cNvCxnSpPr>
+            <a:stCxn id="9" idx="0"/>
+            <a:endCxn id="12" idx="2"/>
+          </p:cNvCxnSpPr>
+          <p:nvPr/>
+        </p:nvCxnSpPr>
+        <p:spPr>
+          <a:xfrm flipH="1" flipV="1">
+            <a:off x="8520113" y="1028701"/>
+            <a:ext cx="7268" cy="495299"/>
+          </a:xfrm>
+          <a:prstGeom prst="straightConnector1">
+            <a:avLst/>
+          </a:prstGeom>
+          <a:ln w="76200">
+            <a:solidFill>
+              <a:schemeClr val="tx1"/>
+            </a:solidFill>
+            <a:tailEnd type="triangle"/>
+          </a:ln>
+        </p:spPr>
+        <p:style>
+          <a:lnRef idx="1">
+            <a:schemeClr val="accent1"/>
+          </a:lnRef>
+          <a:fillRef idx="0">
+            <a:schemeClr val="accent1"/>
+          </a:fillRef>
+          <a:effectRef idx="0">
+            <a:schemeClr val="accent1"/>
+          </a:effectRef>
+          <a:fontRef idx="minor">
+            <a:schemeClr val="tx1"/>
+          </a:fontRef>
+        </p:style>
+      </p:cxnSp>
+      <p:cxnSp>
+        <p:nvCxnSpPr>
+          <p:cNvPr id="18" name="Lige pilforbindelse 17"/>
+          <p:cNvCxnSpPr>
+            <a:stCxn id="10" idx="0"/>
+            <a:endCxn id="9" idx="2"/>
+          </p:cNvCxnSpPr>
+          <p:nvPr/>
+        </p:nvCxnSpPr>
+        <p:spPr>
+          <a:xfrm flipV="1">
+            <a:off x="5557837" y="3184358"/>
+            <a:ext cx="2969544" cy="1416217"/>
+          </a:xfrm>
+          <a:prstGeom prst="straightConnector1">
+            <a:avLst/>
+          </a:prstGeom>
+          <a:ln w="76200">
+            <a:solidFill>
+              <a:schemeClr val="tx1"/>
+            </a:solidFill>
+            <a:prstDash val="sysDot"/>
+            <a:tailEnd type="triangle"/>
+          </a:ln>
+        </p:spPr>
+        <p:style>
+          <a:lnRef idx="1">
+            <a:schemeClr val="accent1"/>
+          </a:lnRef>
+          <a:fillRef idx="0">
+            <a:schemeClr val="accent1"/>
+          </a:fillRef>
+          <a:effectRef idx="0">
+            <a:schemeClr val="accent1"/>
+          </a:effectRef>
+          <a:fontRef idx="minor">
+            <a:schemeClr val="tx1"/>
+          </a:fontRef>
+        </p:style>
+      </p:cxnSp>
+      <p:cxnSp>
+        <p:nvCxnSpPr>
+          <p:cNvPr id="21" name="Lige pilforbindelse 20"/>
+          <p:cNvCxnSpPr>
+            <a:stCxn id="10" idx="0"/>
+            <a:endCxn id="7" idx="2"/>
+          </p:cNvCxnSpPr>
+          <p:nvPr/>
+        </p:nvCxnSpPr>
+        <p:spPr>
+          <a:xfrm flipH="1" flipV="1">
+            <a:off x="2688055" y="3520740"/>
+            <a:ext cx="2869782" cy="1079835"/>
+          </a:xfrm>
+          <a:prstGeom prst="straightConnector1">
+            <a:avLst/>
+          </a:prstGeom>
+          <a:ln w="76200">
+            <a:solidFill>
+              <a:schemeClr val="tx1"/>
+            </a:solidFill>
+            <a:prstDash val="sysDot"/>
+            <a:tailEnd type="triangle"/>
+          </a:ln>
+        </p:spPr>
+        <p:style>
+          <a:lnRef idx="1">
+            <a:schemeClr val="accent1"/>
+          </a:lnRef>
+          <a:fillRef idx="0">
+            <a:schemeClr val="accent1"/>
+          </a:fillRef>
+          <a:effectRef idx="0">
+            <a:schemeClr val="accent1"/>
+          </a:effectRef>
+          <a:fontRef idx="minor">
+            <a:schemeClr val="tx1"/>
+          </a:fontRef>
+        </p:style>
+      </p:cxnSp>
+      <p:pic>
+        <p:nvPicPr>
+          <p:cNvPr id="11" name="Picture 2" descr="Billedresultat for tick icon"/>
+          <p:cNvPicPr>
+            <a:picLocks noChangeAspect="1" noChangeArrowheads="1"/>
+          </p:cNvPicPr>
+          <p:nvPr/>
+        </p:nvPicPr>
+        <p:blipFill>
+          <a:blip r:embed="rId2" cstate="print">
+            <a:extLst>
+              <a:ext uri="{28A0092B-C50C-407E-A947-70E740481C1C}">
+                <a14:useLocalDpi xmlns:a14="http://schemas.microsoft.com/office/drawing/2010/main" val="0"/>
+              </a:ext>
+            </a:extLst>
+          </a:blip>
+          <a:srcRect/>
+          <a:stretch>
+            <a:fillRect/>
+          </a:stretch>
+        </p:blipFill>
+        <p:spPr bwMode="auto">
+          <a:xfrm>
+            <a:off x="10151644" y="4038379"/>
+            <a:ext cx="1440000" cy="1440000"/>
+          </a:xfrm>
+          <a:prstGeom prst="rect">
+            <a:avLst/>
+          </a:prstGeom>
+          <a:noFill/>
+          <a:extLst>
+            <a:ext uri="{909E8E84-426E-40DD-AFC4-6F175D3DCCD1}">
+              <a14:hiddenFill xmlns:a14="http://schemas.microsoft.com/office/drawing/2010/main">
+                <a:solidFill>
+                  <a:srgbClr val="FFFFFF"/>
+                </a:solidFill>
+              </a14:hiddenFill>
+            </a:ext>
+          </a:extLst>
+        </p:spPr>
+      </p:pic>
+    </p:spTree>
+    <p:extLst>
+      <p:ext uri="{BB962C8B-B14F-4D97-AF65-F5344CB8AC3E}">
+        <p14:creationId xmlns:p14="http://schemas.microsoft.com/office/powerpoint/2010/main" val="2471612758"/>
+      </p:ext>
+    </p:extLst>
+  </p:cSld>
+  <p:clrMapOvr>
+    <a:masterClrMapping/>
+  </p:clrMapOvr>
+  <p:timing>
+    <p:tnLst>
+      <p:par>
+        <p:cTn id="1" dur="indefinite" restart="never" nodeType="tmRoot">
+          <p:childTnLst>
+            <p:seq concurrent="1" nextAc="seek">
+              <p:cTn id="2" dur="indefinite" nodeType="mainSeq">
+                <p:childTnLst>
+                  <p:par>
+                    <p:cTn id="3" fill="hold">
+                      <p:stCondLst>
+                        <p:cond delay="indefinite"/>
+                      </p:stCondLst>
+                      <p:childTnLst>
+                        <p:par>
+                          <p:cTn id="4" fill="hold">
+                            <p:stCondLst>
+                              <p:cond delay="0"/>
+                            </p:stCondLst>
+                            <p:childTnLst>
+                              <p:par>
+                                <p:cTn id="5" presetID="10" presetClass="entr" presetSubtype="0" fill="hold" nodeType="clickEffect">
+                                  <p:stCondLst>
+                                    <p:cond delay="0"/>
+                                  </p:stCondLst>
+                                  <p:childTnLst>
+                                    <p:set>
+                                      <p:cBhvr>
+                                        <p:cTn id="6" dur="1" fill="hold">
+                                          <p:stCondLst>
+                                            <p:cond delay="0"/>
+                                          </p:stCondLst>
+                                        </p:cTn>
+                                        <p:tgtEl>
+                                          <p:spTgt spid="11"/>
+                                        </p:tgtEl>
+                                        <p:attrNameLst>
+                                          <p:attrName>style.visibility</p:attrName>
+                                        </p:attrNameLst>
+                                      </p:cBhvr>
+                                      <p:to>
+                                        <p:strVal val="visible"/>
+                                      </p:to>
+                                    </p:set>
+                                    <p:animEffect transition="in" filter="fade">
+                                      <p:cBhvr>
+                                        <p:cTn id="7" dur="500"/>
+                                        <p:tgtEl>
+                                          <p:spTgt spid="11"/>
+                                        </p:tgtEl>
+                                      </p:cBhvr>
+                                    </p:animEffect>
+                                  </p:childTnLst>
+                                </p:cTn>
+                              </p:par>
+                            </p:childTnLst>
+                          </p:cTn>
+                        </p:par>
+                      </p:childTnLst>
+                    </p:cTn>
+                  </p:par>
+                </p:childTnLst>
+              </p:cTn>
+              <p:prevCondLst>
+                <p:cond evt="onPrev" delay="0">
+                  <p:tgtEl>
+                    <p:sldTgt/>
+                  </p:tgtEl>
+                </p:cond>
+              </p:prevCondLst>
+              <p:nextCondLst>
+                <p:cond evt="onNext" delay="0">
+                  <p:tgtEl>
+                    <p:sldTgt/>
+                  </p:tgtEl>
+                </p:cond>
+              </p:nextCondLst>
+            </p:seq>
+          </p:childTnLst>
+        </p:cTn>
+      </p:par>
+    </p:tnLst>
+  </p:timing>
+</p:sld>
+</file>
+
+<file path=ppt/slides/slide42.xml><?xml version="1.0" encoding="utf-8"?>
+<p:sld xmlns:a="http://schemas.openxmlformats.org/drawingml/2006/main" xmlns:r="http://schemas.openxmlformats.org/officeDocument/2006/relationships" xmlns:p="http://schemas.openxmlformats.org/presentationml/2006/main">
+  <p:cSld>
+    <p:spTree>
+      <p:nvGrpSpPr>
+        <p:cNvPr id="1" name=""/>
+        <p:cNvGrpSpPr/>
+        <p:nvPr/>
+      </p:nvGrpSpPr>
+      <p:grpSpPr>
+        <a:xfrm>
+          <a:off x="0" y="0"/>
+          <a:ext cx="0" cy="0"/>
+          <a:chOff x="0" y="0"/>
+          <a:chExt cx="0" cy="0"/>
+        </a:xfrm>
+      </p:grpSpPr>
+      <p:sp>
+        <p:nvSpPr>
+          <p:cNvPr id="2" name="Titel 1"/>
+          <p:cNvSpPr>
+            <a:spLocks noGrp="1"/>
+          </p:cNvSpPr>
+          <p:nvPr>
+            <p:ph type="ctrTitle"/>
+          </p:nvPr>
+        </p:nvSpPr>
+        <p:spPr>
+          <a:xfrm>
+            <a:off x="1524000" y="1122362"/>
+            <a:ext cx="9144000" cy="3594017"/>
+          </a:xfrm>
+        </p:spPr>
+        <p:txBody>
+          <a:bodyPr/>
+          <a:lstStyle/>
+          <a:p>
+            <a:r>
+              <a:rPr lang="da-DK" sz="19200" b="1" smtClean="0"/>
+              <a:t>Code</a:t>
+            </a:r>
+            <a:r>
+              <a:rPr lang="da-DK" sz="19200" b="1"/>
+              <a:t>!</a:t>
+            </a:r>
+            <a:endParaRPr lang="da-DK" sz="19200" b="1"/>
+          </a:p>
+        </p:txBody>
+      </p:sp>
+    </p:spTree>
+    <p:extLst>
+      <p:ext uri="{BB962C8B-B14F-4D97-AF65-F5344CB8AC3E}">
+        <p14:creationId xmlns:p14="http://schemas.microsoft.com/office/powerpoint/2010/main" val="1701569099"/>
+      </p:ext>
+    </p:extLst>
+  </p:cSld>
+  <p:clrMapOvr>
+    <a:masterClrMapping/>
+  </p:clrMapOvr>
   <p:timing>
     <p:tnLst>
       <p:par>
